--- a/Notes/Presentation.pptx
+++ b/Notes/Presentation.pptx
@@ -5,7 +5,7 @@
     <p:sldMasterId id="2147483648" r:id="rId1"/>
   </p:sldMasterIdLst>
   <p:notesMasterIdLst>
-    <p:notesMasterId r:id="rId12"/>
+    <p:notesMasterId r:id="rId16"/>
   </p:notesMasterIdLst>
   <p:sldIdLst>
     <p:sldId id="256" r:id="rId2"/>
@@ -18,6 +18,10 @@
     <p:sldId id="313" r:id="rId9"/>
     <p:sldId id="454" r:id="rId10"/>
     <p:sldId id="314" r:id="rId11"/>
+    <p:sldId id="461" r:id="rId12"/>
+    <p:sldId id="462" r:id="rId13"/>
+    <p:sldId id="320" r:id="rId14"/>
+    <p:sldId id="463" r:id="rId15"/>
   </p:sldIdLst>
   <p:sldSz cx="12192000" cy="6858000"/>
   <p:notesSz cx="6858000" cy="9144000"/>
@@ -4982,6 +4986,1266 @@
 </p:sld>
 </file>
 
+<file path=ppt/slides/slide11.xml><?xml version="1.0" encoding="utf-8"?>
+<p:sld xmlns:a="http://schemas.openxmlformats.org/drawingml/2006/main" xmlns:r="http://schemas.openxmlformats.org/officeDocument/2006/relationships" xmlns:p="http://schemas.openxmlformats.org/presentationml/2006/main">
+  <p:cSld>
+    <p:spTree>
+      <p:nvGrpSpPr>
+        <p:cNvPr id="1" name=""/>
+        <p:cNvGrpSpPr/>
+        <p:nvPr/>
+      </p:nvGrpSpPr>
+      <p:grpSpPr>
+        <a:xfrm>
+          <a:off x="0" y="0"/>
+          <a:ext cx="0" cy="0"/>
+          <a:chOff x="0" y="0"/>
+          <a:chExt cx="0" cy="0"/>
+        </a:xfrm>
+      </p:grpSpPr>
+      <p:sp>
+        <p:nvSpPr>
+          <p:cNvPr id="4" name="Rectangle: Rounded Corners 3">
+            <a:extLst>
+              <a:ext uri="{FF2B5EF4-FFF2-40B4-BE49-F238E27FC236}">
+                <a16:creationId xmlns:a16="http://schemas.microsoft.com/office/drawing/2014/main" id="{9D3A5589-CC4E-E833-EA61-89CF9C305727}"/>
+              </a:ext>
+            </a:extLst>
+          </p:cNvPr>
+          <p:cNvSpPr/>
+          <p:nvPr/>
+        </p:nvSpPr>
+        <p:spPr>
+          <a:xfrm>
+            <a:off x="4307305" y="1206767"/>
+            <a:ext cx="3577390" cy="4444466"/>
+          </a:xfrm>
+          <a:prstGeom prst="roundRect">
+            <a:avLst/>
+          </a:prstGeom>
+        </p:spPr>
+        <p:style>
+          <a:lnRef idx="2">
+            <a:schemeClr val="accent1">
+              <a:shade val="15000"/>
+            </a:schemeClr>
+          </a:lnRef>
+          <a:fillRef idx="1">
+            <a:schemeClr val="accent1"/>
+          </a:fillRef>
+          <a:effectRef idx="0">
+            <a:schemeClr val="accent1"/>
+          </a:effectRef>
+          <a:fontRef idx="minor">
+            <a:schemeClr val="lt1"/>
+          </a:fontRef>
+        </p:style>
+        <p:txBody>
+          <a:bodyPr rtlCol="0" anchor="ctr"/>
+          <a:lstStyle/>
+          <a:p>
+            <a:pPr algn="ctr"/>
+            <a:r>
+              <a:rPr lang="en-IN" sz="2400" dirty="0"/>
+              <a:t>REACT COMPONENT</a:t>
+            </a:r>
+          </a:p>
+          <a:p>
+            <a:pPr algn="ctr"/>
+            <a:endParaRPr lang="en-IN" sz="2400" dirty="0"/>
+          </a:p>
+          <a:p>
+            <a:pPr algn="ctr"/>
+            <a:r>
+              <a:rPr lang="en-IN" sz="2400" dirty="0">
+                <a:solidFill>
+                  <a:srgbClr val="FF0000"/>
+                </a:solidFill>
+              </a:rPr>
+              <a:t>View* (UI) – JSX</a:t>
+            </a:r>
+          </a:p>
+          <a:p>
+            <a:pPr algn="ctr"/>
+            <a:endParaRPr lang="en-IN" sz="2400" dirty="0">
+              <a:solidFill>
+                <a:srgbClr val="FF0000"/>
+              </a:solidFill>
+            </a:endParaRPr>
+          </a:p>
+          <a:p>
+            <a:pPr algn="ctr"/>
+            <a:r>
+              <a:rPr lang="en-IN" sz="2400" dirty="0">
+                <a:solidFill>
+                  <a:srgbClr val="FFFF00"/>
+                </a:solidFill>
+              </a:rPr>
+              <a:t>Style (CSS) – JSX / CSS</a:t>
+            </a:r>
+          </a:p>
+          <a:p>
+            <a:pPr algn="ctr"/>
+            <a:endParaRPr lang="en-IN" sz="2400" dirty="0">
+              <a:solidFill>
+                <a:srgbClr val="FFFF00"/>
+              </a:solidFill>
+            </a:endParaRPr>
+          </a:p>
+          <a:p>
+            <a:pPr algn="ctr"/>
+            <a:r>
+              <a:rPr lang="en-IN" sz="2400" dirty="0">
+                <a:solidFill>
+                  <a:srgbClr val="FFFF00"/>
+                </a:solidFill>
+              </a:rPr>
+              <a:t>Data (Inside) – State</a:t>
+            </a:r>
+          </a:p>
+          <a:p>
+            <a:pPr algn="ctr"/>
+            <a:r>
+              <a:rPr lang="en-IN" sz="2400" dirty="0">
+                <a:solidFill>
+                  <a:srgbClr val="FFFF00"/>
+                </a:solidFill>
+              </a:rPr>
+              <a:t>Data (Outside) – Props</a:t>
+            </a:r>
+          </a:p>
+          <a:p>
+            <a:pPr algn="ctr"/>
+            <a:endParaRPr lang="en-IN" sz="2400" dirty="0">
+              <a:solidFill>
+                <a:srgbClr val="FFFF00"/>
+              </a:solidFill>
+            </a:endParaRPr>
+          </a:p>
+          <a:p>
+            <a:pPr algn="ctr"/>
+            <a:r>
+              <a:rPr lang="en-IN" sz="2400" dirty="0">
+                <a:solidFill>
+                  <a:srgbClr val="FFFF00"/>
+                </a:solidFill>
+              </a:rPr>
+              <a:t>Behaviour – Methods</a:t>
+            </a:r>
+          </a:p>
+        </p:txBody>
+      </p:sp>
+      <p:sp>
+        <p:nvSpPr>
+          <p:cNvPr id="5" name="Rectangle 4">
+            <a:extLst>
+              <a:ext uri="{FF2B5EF4-FFF2-40B4-BE49-F238E27FC236}">
+                <a16:creationId xmlns:a16="http://schemas.microsoft.com/office/drawing/2014/main" id="{19C80D7D-1E01-57E1-BDB6-CF54A7A37E64}"/>
+              </a:ext>
+            </a:extLst>
+          </p:cNvPr>
+          <p:cNvSpPr/>
+          <p:nvPr/>
+        </p:nvSpPr>
+        <p:spPr>
+          <a:xfrm>
+            <a:off x="8672362" y="413886"/>
+            <a:ext cx="2839453" cy="1212783"/>
+          </a:xfrm>
+          <a:prstGeom prst="rect">
+            <a:avLst/>
+          </a:prstGeom>
+        </p:spPr>
+        <p:style>
+          <a:lnRef idx="2">
+            <a:schemeClr val="accent2">
+              <a:shade val="15000"/>
+            </a:schemeClr>
+          </a:lnRef>
+          <a:fillRef idx="1">
+            <a:schemeClr val="accent2"/>
+          </a:fillRef>
+          <a:effectRef idx="0">
+            <a:schemeClr val="accent2"/>
+          </a:effectRef>
+          <a:fontRef idx="minor">
+            <a:schemeClr val="lt1"/>
+          </a:fontRef>
+        </p:style>
+        <p:txBody>
+          <a:bodyPr rtlCol="0" anchor="ctr"/>
+          <a:lstStyle/>
+          <a:p>
+            <a:pPr algn="ctr"/>
+            <a:r>
+              <a:rPr lang="en-IN" dirty="0"/>
+              <a:t>BROWSER (Client Side)</a:t>
+            </a:r>
+          </a:p>
+          <a:p>
+            <a:pPr algn="ctr"/>
+            <a:endParaRPr lang="en-IN" dirty="0"/>
+          </a:p>
+          <a:p>
+            <a:pPr algn="ctr"/>
+            <a:r>
+              <a:rPr lang="en-IN" dirty="0"/>
+              <a:t>React DOM</a:t>
+            </a:r>
+          </a:p>
+        </p:txBody>
+      </p:sp>
+      <p:sp>
+        <p:nvSpPr>
+          <p:cNvPr id="6" name="Rectangle 5">
+            <a:extLst>
+              <a:ext uri="{FF2B5EF4-FFF2-40B4-BE49-F238E27FC236}">
+                <a16:creationId xmlns:a16="http://schemas.microsoft.com/office/drawing/2014/main" id="{9EFFCF7B-1E1E-E044-9EF7-ACACC8FB47A5}"/>
+              </a:ext>
+            </a:extLst>
+          </p:cNvPr>
+          <p:cNvSpPr/>
+          <p:nvPr/>
+        </p:nvSpPr>
+        <p:spPr>
+          <a:xfrm>
+            <a:off x="8672362" y="5044841"/>
+            <a:ext cx="2839453" cy="1212783"/>
+          </a:xfrm>
+          <a:prstGeom prst="rect">
+            <a:avLst/>
+          </a:prstGeom>
+        </p:spPr>
+        <p:style>
+          <a:lnRef idx="2">
+            <a:schemeClr val="accent2">
+              <a:shade val="15000"/>
+            </a:schemeClr>
+          </a:lnRef>
+          <a:fillRef idx="1">
+            <a:schemeClr val="accent2"/>
+          </a:fillRef>
+          <a:effectRef idx="0">
+            <a:schemeClr val="accent2"/>
+          </a:effectRef>
+          <a:fontRef idx="minor">
+            <a:schemeClr val="lt1"/>
+          </a:fontRef>
+        </p:style>
+        <p:txBody>
+          <a:bodyPr rtlCol="0" anchor="ctr"/>
+          <a:lstStyle/>
+          <a:p>
+            <a:pPr algn="ctr"/>
+            <a:r>
+              <a:rPr lang="en-IN" dirty="0"/>
+              <a:t>Node JS (Server Side)</a:t>
+            </a:r>
+          </a:p>
+          <a:p>
+            <a:pPr algn="ctr"/>
+            <a:endParaRPr lang="en-IN" dirty="0"/>
+          </a:p>
+          <a:p>
+            <a:pPr algn="ctr"/>
+            <a:r>
+              <a:rPr lang="en-IN" dirty="0"/>
+              <a:t>React DOM Server</a:t>
+            </a:r>
+          </a:p>
+        </p:txBody>
+      </p:sp>
+      <p:sp>
+        <p:nvSpPr>
+          <p:cNvPr id="7" name="Rectangle 6">
+            <a:extLst>
+              <a:ext uri="{FF2B5EF4-FFF2-40B4-BE49-F238E27FC236}">
+                <a16:creationId xmlns:a16="http://schemas.microsoft.com/office/drawing/2014/main" id="{13DE88D4-8FE3-BB25-3D18-031D7EF86FC2}"/>
+              </a:ext>
+            </a:extLst>
+          </p:cNvPr>
+          <p:cNvSpPr/>
+          <p:nvPr/>
+        </p:nvSpPr>
+        <p:spPr>
+          <a:xfrm>
+            <a:off x="680185" y="5044841"/>
+            <a:ext cx="2839453" cy="1212783"/>
+          </a:xfrm>
+          <a:prstGeom prst="rect">
+            <a:avLst/>
+          </a:prstGeom>
+        </p:spPr>
+        <p:style>
+          <a:lnRef idx="2">
+            <a:schemeClr val="accent2">
+              <a:shade val="15000"/>
+            </a:schemeClr>
+          </a:lnRef>
+          <a:fillRef idx="1">
+            <a:schemeClr val="accent2"/>
+          </a:fillRef>
+          <a:effectRef idx="0">
+            <a:schemeClr val="accent2"/>
+          </a:effectRef>
+          <a:fontRef idx="minor">
+            <a:schemeClr val="lt1"/>
+          </a:fontRef>
+        </p:style>
+        <p:txBody>
+          <a:bodyPr rtlCol="0" anchor="ctr"/>
+          <a:lstStyle/>
+          <a:p>
+            <a:pPr algn="ctr"/>
+            <a:r>
+              <a:rPr lang="en-IN" dirty="0"/>
+              <a:t>Mobile App</a:t>
+            </a:r>
+          </a:p>
+          <a:p>
+            <a:pPr algn="ctr"/>
+            <a:endParaRPr lang="en-IN" dirty="0"/>
+          </a:p>
+          <a:p>
+            <a:pPr algn="ctr"/>
+            <a:r>
+              <a:rPr lang="en-IN" dirty="0"/>
+              <a:t>React Native</a:t>
+            </a:r>
+          </a:p>
+        </p:txBody>
+      </p:sp>
+      <p:sp>
+        <p:nvSpPr>
+          <p:cNvPr id="8" name="Rectangle 7">
+            <a:extLst>
+              <a:ext uri="{FF2B5EF4-FFF2-40B4-BE49-F238E27FC236}">
+                <a16:creationId xmlns:a16="http://schemas.microsoft.com/office/drawing/2014/main" id="{839F05FE-9709-8BE5-7A01-38C07A1AD998}"/>
+              </a:ext>
+            </a:extLst>
+          </p:cNvPr>
+          <p:cNvSpPr/>
+          <p:nvPr/>
+        </p:nvSpPr>
+        <p:spPr>
+          <a:xfrm>
+            <a:off x="680185" y="413886"/>
+            <a:ext cx="2839453" cy="1212783"/>
+          </a:xfrm>
+          <a:prstGeom prst="rect">
+            <a:avLst/>
+          </a:prstGeom>
+        </p:spPr>
+        <p:style>
+          <a:lnRef idx="2">
+            <a:schemeClr val="accent2">
+              <a:shade val="15000"/>
+            </a:schemeClr>
+          </a:lnRef>
+          <a:fillRef idx="1">
+            <a:schemeClr val="accent2"/>
+          </a:fillRef>
+          <a:effectRef idx="0">
+            <a:schemeClr val="accent2"/>
+          </a:effectRef>
+          <a:fontRef idx="minor">
+            <a:schemeClr val="lt1"/>
+          </a:fontRef>
+        </p:style>
+        <p:txBody>
+          <a:bodyPr rtlCol="0" anchor="ctr"/>
+          <a:lstStyle/>
+          <a:p>
+            <a:pPr algn="ctr"/>
+            <a:r>
+              <a:rPr lang="en-IN" dirty="0"/>
+              <a:t>Windows App</a:t>
+            </a:r>
+          </a:p>
+          <a:p>
+            <a:pPr algn="ctr"/>
+            <a:endParaRPr lang="en-IN" dirty="0"/>
+          </a:p>
+          <a:p>
+            <a:pPr algn="ctr"/>
+            <a:r>
+              <a:rPr lang="en-IN" dirty="0"/>
+              <a:t>Electron JS</a:t>
+            </a:r>
+          </a:p>
+        </p:txBody>
+      </p:sp>
+      <p:cxnSp>
+        <p:nvCxnSpPr>
+          <p:cNvPr id="10" name="Straight Connector 9">
+            <a:extLst>
+              <a:ext uri="{FF2B5EF4-FFF2-40B4-BE49-F238E27FC236}">
+                <a16:creationId xmlns:a16="http://schemas.microsoft.com/office/drawing/2014/main" id="{821AEFFD-385A-B71F-DCA6-F0C6102A1C1A}"/>
+              </a:ext>
+            </a:extLst>
+          </p:cNvPr>
+          <p:cNvCxnSpPr>
+            <a:stCxn id="4" idx="3"/>
+            <a:endCxn id="5" idx="2"/>
+          </p:cNvCxnSpPr>
+          <p:nvPr/>
+        </p:nvCxnSpPr>
+        <p:spPr>
+          <a:xfrm flipV="1">
+            <a:off x="7884695" y="1626669"/>
+            <a:ext cx="2207394" cy="1802331"/>
+          </a:xfrm>
+          <a:prstGeom prst="line">
+            <a:avLst/>
+          </a:prstGeom>
+        </p:spPr>
+        <p:style>
+          <a:lnRef idx="2">
+            <a:schemeClr val="accent1"/>
+          </a:lnRef>
+          <a:fillRef idx="0">
+            <a:schemeClr val="accent1"/>
+          </a:fillRef>
+          <a:effectRef idx="1">
+            <a:schemeClr val="accent1"/>
+          </a:effectRef>
+          <a:fontRef idx="minor">
+            <a:schemeClr val="tx1"/>
+          </a:fontRef>
+        </p:style>
+      </p:cxnSp>
+      <p:cxnSp>
+        <p:nvCxnSpPr>
+          <p:cNvPr id="12" name="Straight Connector 11">
+            <a:extLst>
+              <a:ext uri="{FF2B5EF4-FFF2-40B4-BE49-F238E27FC236}">
+                <a16:creationId xmlns:a16="http://schemas.microsoft.com/office/drawing/2014/main" id="{D83B0D6F-A2DC-462C-A835-4CBF9DA0860E}"/>
+              </a:ext>
+            </a:extLst>
+          </p:cNvPr>
+          <p:cNvCxnSpPr>
+            <a:stCxn id="4" idx="3"/>
+            <a:endCxn id="6" idx="0"/>
+          </p:cNvCxnSpPr>
+          <p:nvPr/>
+        </p:nvCxnSpPr>
+        <p:spPr>
+          <a:xfrm>
+            <a:off x="7884695" y="3429000"/>
+            <a:ext cx="2207394" cy="1615841"/>
+          </a:xfrm>
+          <a:prstGeom prst="line">
+            <a:avLst/>
+          </a:prstGeom>
+        </p:spPr>
+        <p:style>
+          <a:lnRef idx="2">
+            <a:schemeClr val="accent1"/>
+          </a:lnRef>
+          <a:fillRef idx="0">
+            <a:schemeClr val="accent1"/>
+          </a:fillRef>
+          <a:effectRef idx="1">
+            <a:schemeClr val="accent1"/>
+          </a:effectRef>
+          <a:fontRef idx="minor">
+            <a:schemeClr val="tx1"/>
+          </a:fontRef>
+        </p:style>
+      </p:cxnSp>
+      <p:cxnSp>
+        <p:nvCxnSpPr>
+          <p:cNvPr id="14" name="Straight Connector 13">
+            <a:extLst>
+              <a:ext uri="{FF2B5EF4-FFF2-40B4-BE49-F238E27FC236}">
+                <a16:creationId xmlns:a16="http://schemas.microsoft.com/office/drawing/2014/main" id="{11B16229-CE87-852A-38F1-259883F98E36}"/>
+              </a:ext>
+            </a:extLst>
+          </p:cNvPr>
+          <p:cNvCxnSpPr>
+            <a:stCxn id="4" idx="1"/>
+            <a:endCxn id="7" idx="0"/>
+          </p:cNvCxnSpPr>
+          <p:nvPr/>
+        </p:nvCxnSpPr>
+        <p:spPr>
+          <a:xfrm flipH="1">
+            <a:off x="2099912" y="3429000"/>
+            <a:ext cx="2207393" cy="1615841"/>
+          </a:xfrm>
+          <a:prstGeom prst="line">
+            <a:avLst/>
+          </a:prstGeom>
+        </p:spPr>
+        <p:style>
+          <a:lnRef idx="2">
+            <a:schemeClr val="accent1"/>
+          </a:lnRef>
+          <a:fillRef idx="0">
+            <a:schemeClr val="accent1"/>
+          </a:fillRef>
+          <a:effectRef idx="1">
+            <a:schemeClr val="accent1"/>
+          </a:effectRef>
+          <a:fontRef idx="minor">
+            <a:schemeClr val="tx1"/>
+          </a:fontRef>
+        </p:style>
+      </p:cxnSp>
+      <p:cxnSp>
+        <p:nvCxnSpPr>
+          <p:cNvPr id="16" name="Straight Connector 15">
+            <a:extLst>
+              <a:ext uri="{FF2B5EF4-FFF2-40B4-BE49-F238E27FC236}">
+                <a16:creationId xmlns:a16="http://schemas.microsoft.com/office/drawing/2014/main" id="{1A036880-BC10-9C9A-E608-6EED4E79ABA3}"/>
+              </a:ext>
+            </a:extLst>
+          </p:cNvPr>
+          <p:cNvCxnSpPr>
+            <a:stCxn id="4" idx="1"/>
+            <a:endCxn id="8" idx="2"/>
+          </p:cNvCxnSpPr>
+          <p:nvPr/>
+        </p:nvCxnSpPr>
+        <p:spPr>
+          <a:xfrm flipH="1" flipV="1">
+            <a:off x="2099912" y="1626669"/>
+            <a:ext cx="2207393" cy="1802331"/>
+          </a:xfrm>
+          <a:prstGeom prst="line">
+            <a:avLst/>
+          </a:prstGeom>
+        </p:spPr>
+        <p:style>
+          <a:lnRef idx="2">
+            <a:schemeClr val="accent1"/>
+          </a:lnRef>
+          <a:fillRef idx="0">
+            <a:schemeClr val="accent1"/>
+          </a:fillRef>
+          <a:effectRef idx="1">
+            <a:schemeClr val="accent1"/>
+          </a:effectRef>
+          <a:fontRef idx="minor">
+            <a:schemeClr val="tx1"/>
+          </a:fontRef>
+        </p:style>
+      </p:cxnSp>
+    </p:spTree>
+    <p:extLst>
+      <p:ext uri="{BB962C8B-B14F-4D97-AF65-F5344CB8AC3E}">
+        <p14:creationId xmlns:p14="http://schemas.microsoft.com/office/powerpoint/2010/main" val="3520425102"/>
+      </p:ext>
+    </p:extLst>
+  </p:cSld>
+  <p:clrMapOvr>
+    <a:masterClrMapping/>
+  </p:clrMapOvr>
+</p:sld>
+</file>
+
+<file path=ppt/slides/slide12.xml><?xml version="1.0" encoding="utf-8"?>
+<p:sld xmlns:a="http://schemas.openxmlformats.org/drawingml/2006/main" xmlns:r="http://schemas.openxmlformats.org/officeDocument/2006/relationships" xmlns:p="http://schemas.openxmlformats.org/presentationml/2006/main">
+  <p:cSld>
+    <p:spTree>
+      <p:nvGrpSpPr>
+        <p:cNvPr id="1" name="">
+          <a:extLst>
+            <a:ext uri="{FF2B5EF4-FFF2-40B4-BE49-F238E27FC236}">
+              <a16:creationId xmlns:a16="http://schemas.microsoft.com/office/drawing/2014/main" id="{104B3F00-8882-8527-30EB-31E53C83B1D6}"/>
+            </a:ext>
+          </a:extLst>
+        </p:cNvPr>
+        <p:cNvGrpSpPr/>
+        <p:nvPr/>
+      </p:nvGrpSpPr>
+      <p:grpSpPr>
+        <a:xfrm>
+          <a:off x="0" y="0"/>
+          <a:ext cx="0" cy="0"/>
+          <a:chOff x="0" y="0"/>
+          <a:chExt cx="0" cy="0"/>
+        </a:xfrm>
+      </p:grpSpPr>
+      <p:sp>
+        <p:nvSpPr>
+          <p:cNvPr id="4" name="Rectangle: Rounded Corners 3">
+            <a:extLst>
+              <a:ext uri="{FF2B5EF4-FFF2-40B4-BE49-F238E27FC236}">
+                <a16:creationId xmlns:a16="http://schemas.microsoft.com/office/drawing/2014/main" id="{26745F55-C97C-BF9A-C051-856214143175}"/>
+              </a:ext>
+            </a:extLst>
+          </p:cNvPr>
+          <p:cNvSpPr/>
+          <p:nvPr/>
+        </p:nvSpPr>
+        <p:spPr>
+          <a:xfrm>
+            <a:off x="4307305" y="1206767"/>
+            <a:ext cx="3577390" cy="4444466"/>
+          </a:xfrm>
+          <a:prstGeom prst="roundRect">
+            <a:avLst/>
+          </a:prstGeom>
+        </p:spPr>
+        <p:style>
+          <a:lnRef idx="2">
+            <a:schemeClr val="accent1">
+              <a:shade val="15000"/>
+            </a:schemeClr>
+          </a:lnRef>
+          <a:fillRef idx="1">
+            <a:schemeClr val="accent1"/>
+          </a:fillRef>
+          <a:effectRef idx="0">
+            <a:schemeClr val="accent1"/>
+          </a:effectRef>
+          <a:fontRef idx="minor">
+            <a:schemeClr val="lt1"/>
+          </a:fontRef>
+        </p:style>
+        <p:txBody>
+          <a:bodyPr rtlCol="0" anchor="ctr"/>
+          <a:lstStyle/>
+          <a:p>
+            <a:pPr algn="ctr"/>
+            <a:r>
+              <a:rPr lang="en-IN" sz="2400" dirty="0"/>
+              <a:t>REACT COMPONENT</a:t>
+            </a:r>
+          </a:p>
+          <a:p>
+            <a:pPr algn="ctr"/>
+            <a:endParaRPr lang="en-IN" sz="2400" dirty="0"/>
+          </a:p>
+          <a:p>
+            <a:pPr algn="ctr"/>
+            <a:r>
+              <a:rPr lang="en-IN" sz="2400" dirty="0">
+                <a:solidFill>
+                  <a:srgbClr val="FF0000"/>
+                </a:solidFill>
+              </a:rPr>
+              <a:t>View* (UI) – JSX</a:t>
+            </a:r>
+          </a:p>
+          <a:p>
+            <a:pPr algn="ctr"/>
+            <a:endParaRPr lang="en-IN" sz="2400" dirty="0">
+              <a:solidFill>
+                <a:srgbClr val="FF0000"/>
+              </a:solidFill>
+            </a:endParaRPr>
+          </a:p>
+          <a:p>
+            <a:pPr algn="ctr"/>
+            <a:r>
+              <a:rPr lang="en-IN" sz="2400" dirty="0">
+                <a:solidFill>
+                  <a:srgbClr val="FFFF00"/>
+                </a:solidFill>
+              </a:rPr>
+              <a:t>Style (CSS) – JSX / CSS</a:t>
+            </a:r>
+          </a:p>
+          <a:p>
+            <a:pPr algn="ctr"/>
+            <a:endParaRPr lang="en-IN" sz="2400" dirty="0">
+              <a:solidFill>
+                <a:srgbClr val="FFFF00"/>
+              </a:solidFill>
+            </a:endParaRPr>
+          </a:p>
+          <a:p>
+            <a:pPr algn="ctr"/>
+            <a:r>
+              <a:rPr lang="en-IN" sz="2400" dirty="0">
+                <a:solidFill>
+                  <a:srgbClr val="FFFF00"/>
+                </a:solidFill>
+              </a:rPr>
+              <a:t>Data (Inside) – State</a:t>
+            </a:r>
+          </a:p>
+          <a:p>
+            <a:pPr algn="ctr"/>
+            <a:r>
+              <a:rPr lang="en-IN" sz="2400" dirty="0">
+                <a:solidFill>
+                  <a:srgbClr val="FFFF00"/>
+                </a:solidFill>
+              </a:rPr>
+              <a:t>Data (Outside) – Props</a:t>
+            </a:r>
+          </a:p>
+          <a:p>
+            <a:pPr algn="ctr"/>
+            <a:endParaRPr lang="en-IN" sz="2400" dirty="0">
+              <a:solidFill>
+                <a:srgbClr val="FFFF00"/>
+              </a:solidFill>
+            </a:endParaRPr>
+          </a:p>
+          <a:p>
+            <a:pPr algn="ctr"/>
+            <a:r>
+              <a:rPr lang="en-IN" sz="2400" dirty="0">
+                <a:solidFill>
+                  <a:srgbClr val="FFFF00"/>
+                </a:solidFill>
+              </a:rPr>
+              <a:t>Behaviour – Methods</a:t>
+            </a:r>
+          </a:p>
+        </p:txBody>
+      </p:sp>
+      <p:sp>
+        <p:nvSpPr>
+          <p:cNvPr id="5" name="Rectangle 4">
+            <a:extLst>
+              <a:ext uri="{FF2B5EF4-FFF2-40B4-BE49-F238E27FC236}">
+                <a16:creationId xmlns:a16="http://schemas.microsoft.com/office/drawing/2014/main" id="{EFF7D165-C6D9-DE3C-723E-095DD620A1DC}"/>
+              </a:ext>
+            </a:extLst>
+          </p:cNvPr>
+          <p:cNvSpPr/>
+          <p:nvPr/>
+        </p:nvSpPr>
+        <p:spPr>
+          <a:xfrm>
+            <a:off x="8672362" y="413886"/>
+            <a:ext cx="2839453" cy="1212783"/>
+          </a:xfrm>
+          <a:prstGeom prst="rect">
+            <a:avLst/>
+          </a:prstGeom>
+        </p:spPr>
+        <p:style>
+          <a:lnRef idx="2">
+            <a:schemeClr val="accent2">
+              <a:shade val="15000"/>
+            </a:schemeClr>
+          </a:lnRef>
+          <a:fillRef idx="1">
+            <a:schemeClr val="accent2"/>
+          </a:fillRef>
+          <a:effectRef idx="0">
+            <a:schemeClr val="accent2"/>
+          </a:effectRef>
+          <a:fontRef idx="minor">
+            <a:schemeClr val="lt1"/>
+          </a:fontRef>
+        </p:style>
+        <p:txBody>
+          <a:bodyPr rtlCol="0" anchor="ctr"/>
+          <a:lstStyle/>
+          <a:p>
+            <a:pPr algn="ctr"/>
+            <a:r>
+              <a:rPr lang="en-IN" dirty="0"/>
+              <a:t>BROWSER (Client Side)</a:t>
+            </a:r>
+          </a:p>
+          <a:p>
+            <a:pPr algn="ctr"/>
+            <a:endParaRPr lang="en-IN" dirty="0"/>
+          </a:p>
+          <a:p>
+            <a:pPr algn="ctr"/>
+            <a:r>
+              <a:rPr lang="en-IN" dirty="0"/>
+              <a:t>React DOM</a:t>
+            </a:r>
+          </a:p>
+        </p:txBody>
+      </p:sp>
+      <p:sp>
+        <p:nvSpPr>
+          <p:cNvPr id="6" name="Rectangle 5">
+            <a:extLst>
+              <a:ext uri="{FF2B5EF4-FFF2-40B4-BE49-F238E27FC236}">
+                <a16:creationId xmlns:a16="http://schemas.microsoft.com/office/drawing/2014/main" id="{A3F78356-9150-60BC-0811-A48D6424EB2E}"/>
+              </a:ext>
+            </a:extLst>
+          </p:cNvPr>
+          <p:cNvSpPr/>
+          <p:nvPr/>
+        </p:nvSpPr>
+        <p:spPr>
+          <a:xfrm>
+            <a:off x="583931" y="5295098"/>
+            <a:ext cx="2839453" cy="1212783"/>
+          </a:xfrm>
+          <a:prstGeom prst="rect">
+            <a:avLst/>
+          </a:prstGeom>
+        </p:spPr>
+        <p:style>
+          <a:lnRef idx="2">
+            <a:schemeClr val="accent2">
+              <a:shade val="15000"/>
+            </a:schemeClr>
+          </a:lnRef>
+          <a:fillRef idx="1">
+            <a:schemeClr val="accent2"/>
+          </a:fillRef>
+          <a:effectRef idx="0">
+            <a:schemeClr val="accent2"/>
+          </a:effectRef>
+          <a:fontRef idx="minor">
+            <a:schemeClr val="lt1"/>
+          </a:fontRef>
+        </p:style>
+        <p:txBody>
+          <a:bodyPr rtlCol="0" anchor="ctr"/>
+          <a:lstStyle/>
+          <a:p>
+            <a:pPr algn="ctr"/>
+            <a:r>
+              <a:rPr lang="en-IN" dirty="0"/>
+              <a:t>Node JS (Server Side)</a:t>
+            </a:r>
+          </a:p>
+          <a:p>
+            <a:pPr algn="ctr"/>
+            <a:endParaRPr lang="en-IN" dirty="0"/>
+          </a:p>
+          <a:p>
+            <a:pPr algn="ctr"/>
+            <a:r>
+              <a:rPr lang="en-IN" dirty="0"/>
+              <a:t>React DOM Server</a:t>
+            </a:r>
+          </a:p>
+        </p:txBody>
+      </p:sp>
+      <p:cxnSp>
+        <p:nvCxnSpPr>
+          <p:cNvPr id="10" name="Straight Connector 9">
+            <a:extLst>
+              <a:ext uri="{FF2B5EF4-FFF2-40B4-BE49-F238E27FC236}">
+                <a16:creationId xmlns:a16="http://schemas.microsoft.com/office/drawing/2014/main" id="{7A4DCB67-FAB5-E4F4-EC9E-81BBE7DF7F51}"/>
+              </a:ext>
+            </a:extLst>
+          </p:cNvPr>
+          <p:cNvCxnSpPr>
+            <a:stCxn id="4" idx="3"/>
+            <a:endCxn id="5" idx="2"/>
+          </p:cNvCxnSpPr>
+          <p:nvPr/>
+        </p:nvCxnSpPr>
+        <p:spPr>
+          <a:xfrm flipV="1">
+            <a:off x="7884695" y="1626669"/>
+            <a:ext cx="2207394" cy="1802331"/>
+          </a:xfrm>
+          <a:prstGeom prst="line">
+            <a:avLst/>
+          </a:prstGeom>
+        </p:spPr>
+        <p:style>
+          <a:lnRef idx="2">
+            <a:schemeClr val="accent1"/>
+          </a:lnRef>
+          <a:fillRef idx="0">
+            <a:schemeClr val="accent1"/>
+          </a:fillRef>
+          <a:effectRef idx="1">
+            <a:schemeClr val="accent1"/>
+          </a:effectRef>
+          <a:fontRef idx="minor">
+            <a:schemeClr val="tx1"/>
+          </a:fontRef>
+        </p:style>
+      </p:cxnSp>
+      <p:cxnSp>
+        <p:nvCxnSpPr>
+          <p:cNvPr id="12" name="Straight Connector 11">
+            <a:extLst>
+              <a:ext uri="{FF2B5EF4-FFF2-40B4-BE49-F238E27FC236}">
+                <a16:creationId xmlns:a16="http://schemas.microsoft.com/office/drawing/2014/main" id="{AF4E2A7E-F065-F520-5A45-F0681DE683DF}"/>
+              </a:ext>
+            </a:extLst>
+          </p:cNvPr>
+          <p:cNvCxnSpPr>
+            <a:cxnSpLocks/>
+            <a:stCxn id="4" idx="1"/>
+            <a:endCxn id="6" idx="0"/>
+          </p:cNvCxnSpPr>
+          <p:nvPr/>
+        </p:nvCxnSpPr>
+        <p:spPr>
+          <a:xfrm flipH="1">
+            <a:off x="2003658" y="3429000"/>
+            <a:ext cx="2303647" cy="1866098"/>
+          </a:xfrm>
+          <a:prstGeom prst="line">
+            <a:avLst/>
+          </a:prstGeom>
+        </p:spPr>
+        <p:style>
+          <a:lnRef idx="2">
+            <a:schemeClr val="accent1"/>
+          </a:lnRef>
+          <a:fillRef idx="0">
+            <a:schemeClr val="accent1"/>
+          </a:fillRef>
+          <a:effectRef idx="1">
+            <a:schemeClr val="accent1"/>
+          </a:effectRef>
+          <a:fontRef idx="minor">
+            <a:schemeClr val="tx1"/>
+          </a:fontRef>
+        </p:style>
+      </p:cxnSp>
+      <p:sp>
+        <p:nvSpPr>
+          <p:cNvPr id="11" name="Rectangle 10">
+            <a:extLst>
+              <a:ext uri="{FF2B5EF4-FFF2-40B4-BE49-F238E27FC236}">
+                <a16:creationId xmlns:a16="http://schemas.microsoft.com/office/drawing/2014/main" id="{BD837B73-C274-658B-816D-86BAAE655771}"/>
+              </a:ext>
+            </a:extLst>
+          </p:cNvPr>
+          <p:cNvSpPr/>
+          <p:nvPr/>
+        </p:nvSpPr>
+        <p:spPr>
+          <a:xfrm>
+            <a:off x="163629" y="240632"/>
+            <a:ext cx="11752447" cy="6429675"/>
+          </a:xfrm>
+          <a:prstGeom prst="rect">
+            <a:avLst/>
+          </a:prstGeom>
+          <a:noFill/>
+          <a:ln w="9525" cap="flat" cmpd="sng" algn="ctr">
+            <a:solidFill>
+              <a:schemeClr val="accent4"/>
+            </a:solidFill>
+            <a:prstDash val="solid"/>
+            <a:round/>
+            <a:headEnd type="none" w="med" len="med"/>
+            <a:tailEnd type="none" w="med" len="med"/>
+          </a:ln>
+        </p:spPr>
+        <p:style>
+          <a:lnRef idx="0">
+            <a:scrgbClr r="0" g="0" b="0"/>
+          </a:lnRef>
+          <a:fillRef idx="0">
+            <a:scrgbClr r="0" g="0" b="0"/>
+          </a:fillRef>
+          <a:effectRef idx="0">
+            <a:scrgbClr r="0" g="0" b="0"/>
+          </a:effectRef>
+          <a:fontRef idx="minor">
+            <a:schemeClr val="accent4"/>
+          </a:fontRef>
+        </p:style>
+        <p:txBody>
+          <a:bodyPr rtlCol="0" anchor="ctr"/>
+          <a:lstStyle/>
+          <a:p>
+            <a:pPr algn="ctr"/>
+            <a:endParaRPr lang="en-IN"/>
+          </a:p>
+        </p:txBody>
+      </p:sp>
+      <p:sp>
+        <p:nvSpPr>
+          <p:cNvPr id="13" name="TextBox 12">
+            <a:extLst>
+              <a:ext uri="{FF2B5EF4-FFF2-40B4-BE49-F238E27FC236}">
+                <a16:creationId xmlns:a16="http://schemas.microsoft.com/office/drawing/2014/main" id="{2C31D661-D6F5-9856-DE42-58920F05C877}"/>
+              </a:ext>
+            </a:extLst>
+          </p:cNvPr>
+          <p:cNvSpPr txBox="1"/>
+          <p:nvPr/>
+        </p:nvSpPr>
+        <p:spPr>
+          <a:xfrm>
+            <a:off x="462013" y="596766"/>
+            <a:ext cx="897746" cy="369332"/>
+          </a:xfrm>
+          <a:prstGeom prst="rect">
+            <a:avLst/>
+          </a:prstGeom>
+          <a:noFill/>
+        </p:spPr>
+        <p:txBody>
+          <a:bodyPr wrap="none" rtlCol="0">
+            <a:spAutoFit/>
+          </a:bodyPr>
+          <a:lstStyle/>
+          <a:p>
+            <a:r>
+              <a:rPr lang="en-IN" dirty="0"/>
+              <a:t>Next JS</a:t>
+            </a:r>
+          </a:p>
+        </p:txBody>
+      </p:sp>
+    </p:spTree>
+    <p:extLst>
+      <p:ext uri="{BB962C8B-B14F-4D97-AF65-F5344CB8AC3E}">
+        <p14:creationId xmlns:p14="http://schemas.microsoft.com/office/powerpoint/2010/main" val="3265300339"/>
+      </p:ext>
+    </p:extLst>
+  </p:cSld>
+  <p:clrMapOvr>
+    <a:masterClrMapping/>
+  </p:clrMapOvr>
+</p:sld>
+</file>
+
+<file path=ppt/slides/slide13.xml><?xml version="1.0" encoding="utf-8"?>
+<p:sld xmlns:a="http://schemas.openxmlformats.org/drawingml/2006/main" xmlns:r="http://schemas.openxmlformats.org/officeDocument/2006/relationships" xmlns:p="http://schemas.openxmlformats.org/presentationml/2006/main">
+  <p:cSld>
+    <p:spTree>
+      <p:nvGrpSpPr>
+        <p:cNvPr id="1" name=""/>
+        <p:cNvGrpSpPr/>
+        <p:nvPr/>
+      </p:nvGrpSpPr>
+      <p:grpSpPr>
+        <a:xfrm>
+          <a:off x="0" y="0"/>
+          <a:ext cx="0" cy="0"/>
+          <a:chOff x="0" y="0"/>
+          <a:chExt cx="0" cy="0"/>
+        </a:xfrm>
+      </p:grpSpPr>
+      <p:sp>
+        <p:nvSpPr>
+          <p:cNvPr id="2" name="Title 1">
+            <a:extLst>
+              <a:ext uri="{FF2B5EF4-FFF2-40B4-BE49-F238E27FC236}">
+                <a16:creationId xmlns:a16="http://schemas.microsoft.com/office/drawing/2014/main" id="{B048D812-87BC-5202-F012-281B2F376510}"/>
+              </a:ext>
+            </a:extLst>
+          </p:cNvPr>
+          <p:cNvSpPr>
+            <a:spLocks noGrp="1"/>
+          </p:cNvSpPr>
+          <p:nvPr>
+            <p:ph type="title"/>
+          </p:nvPr>
+        </p:nvSpPr>
+        <p:spPr/>
+        <p:txBody>
+          <a:bodyPr/>
+          <a:lstStyle/>
+          <a:p>
+            <a:r>
+              <a:rPr lang="en-IN" dirty="0"/>
+              <a:t>What is Next.js?</a:t>
+            </a:r>
+          </a:p>
+        </p:txBody>
+      </p:sp>
+      <p:sp>
+        <p:nvSpPr>
+          <p:cNvPr id="3" name="Content Placeholder 2">
+            <a:extLst>
+              <a:ext uri="{FF2B5EF4-FFF2-40B4-BE49-F238E27FC236}">
+                <a16:creationId xmlns:a16="http://schemas.microsoft.com/office/drawing/2014/main" id="{22422BA0-AF1C-E97B-6D5F-BFAA0069C3BB}"/>
+              </a:ext>
+            </a:extLst>
+          </p:cNvPr>
+          <p:cNvSpPr>
+            <a:spLocks noGrp="1"/>
+          </p:cNvSpPr>
+          <p:nvPr>
+            <p:ph idx="1"/>
+          </p:nvPr>
+        </p:nvSpPr>
+        <p:spPr/>
+        <p:txBody>
+          <a:bodyPr>
+            <a:normAutofit lnSpcReduction="10000"/>
+          </a:bodyPr>
+          <a:lstStyle/>
+          <a:p>
+            <a:r>
+              <a:rPr lang="en-IN" dirty="0"/>
+              <a:t>Next.js is a React framework.</a:t>
+            </a:r>
+          </a:p>
+          <a:p>
+            <a:r>
+              <a:rPr lang="en-IN" dirty="0"/>
+              <a:t>Next.js gives you all the building blocks to create a web application.</a:t>
+            </a:r>
+          </a:p>
+          <a:p>
+            <a:r>
+              <a:rPr lang="en-US" dirty="0"/>
+              <a:t>Next.js handles the tooling and configuration needed for React, and provides additional structure, features, and optimizations for your application.</a:t>
+            </a:r>
+          </a:p>
+          <a:p>
+            <a:r>
+              <a:rPr lang="en-US" dirty="0"/>
+              <a:t>Some core features of Next.js are:</a:t>
+            </a:r>
+          </a:p>
+          <a:p>
+            <a:pPr lvl="1"/>
+            <a:r>
+              <a:rPr lang="en-US" dirty="0"/>
+              <a:t>Server rendering React Apps.</a:t>
+            </a:r>
+          </a:p>
+          <a:p>
+            <a:pPr lvl="1"/>
+            <a:r>
+              <a:rPr lang="en-US" dirty="0"/>
+              <a:t>Automatic code splitting and lazy loading.</a:t>
+            </a:r>
+          </a:p>
+          <a:p>
+            <a:pPr lvl="1"/>
+            <a:r>
+              <a:rPr lang="en-US" dirty="0"/>
+              <a:t>Built in CSS support.</a:t>
+            </a:r>
+          </a:p>
+          <a:p>
+            <a:pPr lvl="1"/>
+            <a:r>
+              <a:rPr lang="en-US" dirty="0"/>
+              <a:t>Hot Reloading support.</a:t>
+            </a:r>
+            <a:endParaRPr lang="en-IN" dirty="0"/>
+          </a:p>
+        </p:txBody>
+      </p:sp>
+    </p:spTree>
+    <p:extLst>
+      <p:ext uri="{BB962C8B-B14F-4D97-AF65-F5344CB8AC3E}">
+        <p14:creationId xmlns:p14="http://schemas.microsoft.com/office/powerpoint/2010/main" val="4285858845"/>
+      </p:ext>
+    </p:extLst>
+  </p:cSld>
+  <p:clrMapOvr>
+    <a:masterClrMapping/>
+  </p:clrMapOvr>
+</p:sld>
+</file>
+
+<file path=ppt/slides/slide14.xml><?xml version="1.0" encoding="utf-8"?>
+<p:sld xmlns:a="http://schemas.openxmlformats.org/drawingml/2006/main" xmlns:r="http://schemas.openxmlformats.org/officeDocument/2006/relationships" xmlns:p="http://schemas.openxmlformats.org/presentationml/2006/main">
+  <p:cSld>
+    <p:spTree>
+      <p:nvGrpSpPr>
+        <p:cNvPr id="1" name=""/>
+        <p:cNvGrpSpPr/>
+        <p:nvPr/>
+      </p:nvGrpSpPr>
+      <p:grpSpPr>
+        <a:xfrm>
+          <a:off x="0" y="0"/>
+          <a:ext cx="0" cy="0"/>
+          <a:chOff x="0" y="0"/>
+          <a:chExt cx="0" cy="0"/>
+        </a:xfrm>
+      </p:grpSpPr>
+      <p:sp>
+        <p:nvSpPr>
+          <p:cNvPr id="2" name="Title 1">
+            <a:extLst>
+              <a:ext uri="{FF2B5EF4-FFF2-40B4-BE49-F238E27FC236}">
+                <a16:creationId xmlns:a16="http://schemas.microsoft.com/office/drawing/2014/main" id="{E0F87ACB-702E-7D83-745A-55490F212B79}"/>
+              </a:ext>
+            </a:extLst>
+          </p:cNvPr>
+          <p:cNvSpPr>
+            <a:spLocks noGrp="1"/>
+          </p:cNvSpPr>
+          <p:nvPr>
+            <p:ph type="title"/>
+          </p:nvPr>
+        </p:nvSpPr>
+        <p:spPr/>
+        <p:txBody>
+          <a:bodyPr/>
+          <a:lstStyle/>
+          <a:p>
+            <a:r>
+              <a:rPr lang="en-IN" dirty="0"/>
+              <a:t>next CLI</a:t>
+            </a:r>
+          </a:p>
+        </p:txBody>
+      </p:sp>
+      <p:sp>
+        <p:nvSpPr>
+          <p:cNvPr id="3" name="Content Placeholder 2">
+            <a:extLst>
+              <a:ext uri="{FF2B5EF4-FFF2-40B4-BE49-F238E27FC236}">
+                <a16:creationId xmlns:a16="http://schemas.microsoft.com/office/drawing/2014/main" id="{4D3141B7-3AB5-435F-BD53-4EFCAD9CD36B}"/>
+              </a:ext>
+            </a:extLst>
+          </p:cNvPr>
+          <p:cNvSpPr>
+            <a:spLocks noGrp="1"/>
+          </p:cNvSpPr>
+          <p:nvPr>
+            <p:ph idx="1"/>
+          </p:nvPr>
+        </p:nvSpPr>
+        <p:spPr/>
+        <p:txBody>
+          <a:bodyPr/>
+          <a:lstStyle/>
+          <a:p>
+            <a:r>
+              <a:rPr lang="en-US" dirty="0"/>
+              <a:t>The Next.js CLI allows you to develop, build, start your application, and more.</a:t>
+            </a:r>
+          </a:p>
+          <a:p>
+            <a:r>
+              <a:rPr lang="en-US" dirty="0"/>
+              <a:t>Use </a:t>
+            </a:r>
+            <a:r>
+              <a:rPr lang="en-US" dirty="0" err="1"/>
+              <a:t>swc</a:t>
+            </a:r>
+            <a:r>
+              <a:rPr lang="en-US" dirty="0"/>
+              <a:t> to compile code</a:t>
+            </a:r>
+          </a:p>
+          <a:p>
+            <a:r>
+              <a:rPr lang="en-US" dirty="0"/>
+              <a:t>Use webpack </a:t>
+            </a:r>
+            <a:r>
+              <a:rPr lang="en-US"/>
+              <a:t>to build the app</a:t>
+            </a:r>
+            <a:endParaRPr lang="en-IN" dirty="0"/>
+          </a:p>
+        </p:txBody>
+      </p:sp>
+    </p:spTree>
+    <p:extLst>
+      <p:ext uri="{BB962C8B-B14F-4D97-AF65-F5344CB8AC3E}">
+        <p14:creationId xmlns:p14="http://schemas.microsoft.com/office/powerpoint/2010/main" val="4243618396"/>
+      </p:ext>
+    </p:extLst>
+  </p:cSld>
+  <p:clrMapOvr>
+    <a:masterClrMapping/>
+  </p:clrMapOvr>
+</p:sld>
+</file>
+
 <file path=ppt/slides/slide2.xml><?xml version="1.0" encoding="utf-8"?>
 <p:sld xmlns:a="http://schemas.openxmlformats.org/drawingml/2006/main" xmlns:r="http://schemas.openxmlformats.org/officeDocument/2006/relationships" xmlns:p="http://schemas.openxmlformats.org/presentationml/2006/main">
   <p:cSld>
@@ -8731,7 +9995,7 @@
         <p:grpSpPr>
           <a:xfrm>
             <a:off x="7386495" y="2231402"/>
-            <a:ext cx="1262108" cy="898124"/>
+            <a:ext cx="1202571" cy="837572"/>
             <a:chOff x="8762260" y="1677880"/>
             <a:chExt cx="1262108" cy="898124"/>
           </a:xfrm>
@@ -8847,7 +10111,7 @@
         <p:grpSpPr>
           <a:xfrm>
             <a:off x="8769462" y="2244265"/>
-            <a:ext cx="1262108" cy="898124"/>
+            <a:ext cx="1202571" cy="837572"/>
             <a:chOff x="8762260" y="1677880"/>
             <a:chExt cx="1262108" cy="898124"/>
           </a:xfrm>
@@ -9322,8 +10586,8 @@
         </p:nvGrpSpPr>
         <p:grpSpPr>
           <a:xfrm>
-            <a:off x="8085808" y="3268654"/>
-            <a:ext cx="1262108" cy="898124"/>
+            <a:off x="8109125" y="3115990"/>
+            <a:ext cx="1202571" cy="837572"/>
             <a:chOff x="8762260" y="1677880"/>
             <a:chExt cx="1262108" cy="898124"/>
           </a:xfrm>
@@ -9890,7 +11154,7 @@
         <p:spPr>
           <a:xfrm>
             <a:off x="7662686" y="5384785"/>
-            <a:ext cx="2059806" cy="369332"/>
+            <a:ext cx="2059806" cy="923330"/>
           </a:xfrm>
           <a:prstGeom prst="rect">
             <a:avLst/>
@@ -9912,6 +11176,28 @@
               </a:rPr>
               <a:t>RESTful Service</a:t>
             </a:r>
+            <a:br>
+              <a:rPr lang="en-IN" dirty="0">
+                <a:solidFill>
+                  <a:schemeClr val="bg1"/>
+                </a:solidFill>
+              </a:rPr>
+            </a:br>
+            <a:br>
+              <a:rPr lang="en-IN" dirty="0">
+                <a:solidFill>
+                  <a:schemeClr val="bg1"/>
+                </a:solidFill>
+              </a:rPr>
+            </a:br>
+            <a:r>
+              <a:rPr lang="en-IN" dirty="0">
+                <a:solidFill>
+                  <a:schemeClr val="bg1"/>
+                </a:solidFill>
+              </a:rPr>
+              <a:t>Express JS</a:t>
+            </a:r>
           </a:p>
         </p:txBody>
       </p:sp>
@@ -9994,6 +11280,46 @@
             <a:r>
               <a:rPr lang="en-IN" dirty="0"/>
               <a:t>, NG, Vue, React</a:t>
+            </a:r>
+          </a:p>
+        </p:txBody>
+      </p:sp>
+      <p:sp>
+        <p:nvSpPr>
+          <p:cNvPr id="25" name="TextBox 24">
+            <a:extLst>
+              <a:ext uri="{FF2B5EF4-FFF2-40B4-BE49-F238E27FC236}">
+                <a16:creationId xmlns:a16="http://schemas.microsoft.com/office/drawing/2014/main" id="{C8AB8FDF-7C9D-F7BB-F91A-B50D41303638}"/>
+              </a:ext>
+            </a:extLst>
+          </p:cNvPr>
+          <p:cNvSpPr txBox="1"/>
+          <p:nvPr/>
+        </p:nvSpPr>
+        <p:spPr>
+          <a:xfrm>
+            <a:off x="7678058" y="3995170"/>
+            <a:ext cx="2059806" cy="369332"/>
+          </a:xfrm>
+          <a:prstGeom prst="rect">
+            <a:avLst/>
+          </a:prstGeom>
+          <a:noFill/>
+        </p:spPr>
+        <p:txBody>
+          <a:bodyPr wrap="square" rtlCol="0">
+            <a:spAutoFit/>
+          </a:bodyPr>
+          <a:lstStyle/>
+          <a:p>
+            <a:pPr algn="ctr"/>
+            <a:r>
+              <a:rPr lang="en-IN" dirty="0">
+                <a:solidFill>
+                  <a:schemeClr val="bg1"/>
+                </a:solidFill>
+              </a:rPr>
+              <a:t>Express JS</a:t>
             </a:r>
           </a:p>
         </p:txBody>

--- a/Notes/Presentation.pptx
+++ b/Notes/Presentation.pptx
@@ -5,7 +5,7 @@
     <p:sldMasterId id="2147483648" r:id="rId1"/>
   </p:sldMasterIdLst>
   <p:notesMasterIdLst>
-    <p:notesMasterId r:id="rId16"/>
+    <p:notesMasterId r:id="rId17"/>
   </p:notesMasterIdLst>
   <p:sldIdLst>
     <p:sldId id="256" r:id="rId2"/>
@@ -22,6 +22,7 @@
     <p:sldId id="462" r:id="rId13"/>
     <p:sldId id="320" r:id="rId14"/>
     <p:sldId id="463" r:id="rId15"/>
+    <p:sldId id="464" r:id="rId16"/>
   </p:sldIdLst>
   <p:sldSz cx="12192000" cy="6858000"/>
   <p:notesSz cx="6858000" cy="9144000"/>
@@ -548,6 +549,90 @@
     <p:extLst>
       <p:ext uri="{BB962C8B-B14F-4D97-AF65-F5344CB8AC3E}">
         <p14:creationId xmlns:p14="http://schemas.microsoft.com/office/powerpoint/2010/main" val="97636703"/>
+      </p:ext>
+    </p:extLst>
+  </p:cSld>
+  <p:clrMapOvr>
+    <a:masterClrMapping/>
+  </p:clrMapOvr>
+</p:notes>
+</file>
+
+<file path=ppt/notesSlides/notesSlide2.xml><?xml version="1.0" encoding="utf-8"?>
+<p:notes xmlns:a="http://schemas.openxmlformats.org/drawingml/2006/main" xmlns:r="http://schemas.openxmlformats.org/officeDocument/2006/relationships" xmlns:p="http://schemas.openxmlformats.org/presentationml/2006/main">
+  <p:cSld>
+    <p:spTree>
+      <p:nvGrpSpPr>
+        <p:cNvPr id="1" name=""/>
+        <p:cNvGrpSpPr/>
+        <p:nvPr/>
+      </p:nvGrpSpPr>
+      <p:grpSpPr>
+        <a:xfrm>
+          <a:off x="0" y="0"/>
+          <a:ext cx="0" cy="0"/>
+          <a:chOff x="0" y="0"/>
+          <a:chExt cx="0" cy="0"/>
+        </a:xfrm>
+      </p:grpSpPr>
+      <p:sp>
+        <p:nvSpPr>
+          <p:cNvPr id="2" name="Slide Image Placeholder 1"/>
+          <p:cNvSpPr>
+            <a:spLocks noGrp="1" noRot="1" noChangeAspect="1"/>
+          </p:cNvSpPr>
+          <p:nvPr>
+            <p:ph type="sldImg"/>
+          </p:nvPr>
+        </p:nvSpPr>
+        <p:spPr/>
+      </p:sp>
+      <p:sp>
+        <p:nvSpPr>
+          <p:cNvPr id="3" name="Notes Placeholder 2"/>
+          <p:cNvSpPr>
+            <a:spLocks noGrp="1"/>
+          </p:cNvSpPr>
+          <p:nvPr>
+            <p:ph type="body" idx="1"/>
+          </p:nvPr>
+        </p:nvSpPr>
+        <p:spPr/>
+        <p:txBody>
+          <a:bodyPr/>
+          <a:lstStyle/>
+          <a:p>
+            <a:endParaRPr lang="en-IN" dirty="0"/>
+          </a:p>
+        </p:txBody>
+      </p:sp>
+      <p:sp>
+        <p:nvSpPr>
+          <p:cNvPr id="4" name="Slide Number Placeholder 3"/>
+          <p:cNvSpPr>
+            <a:spLocks noGrp="1"/>
+          </p:cNvSpPr>
+          <p:nvPr>
+            <p:ph type="sldNum" sz="quarter" idx="5"/>
+          </p:nvPr>
+        </p:nvSpPr>
+        <p:spPr/>
+        <p:txBody>
+          <a:bodyPr/>
+          <a:lstStyle/>
+          <a:p>
+            <a:fld id="{9125A741-20A9-4109-B90E-8989F84D61AA}" type="slidenum">
+              <a:rPr lang="en-IN" smtClean="0"/>
+              <a:t>14</a:t>
+            </a:fld>
+            <a:endParaRPr lang="en-IN"/>
+          </a:p>
+        </p:txBody>
+      </p:sp>
+    </p:spTree>
+    <p:extLst>
+      <p:ext uri="{BB962C8B-B14F-4D97-AF65-F5344CB8AC3E}">
+        <p14:creationId xmlns:p14="http://schemas.microsoft.com/office/powerpoint/2010/main" val="1101052575"/>
       </p:ext>
     </p:extLst>
   </p:cSld>
@@ -6223,11 +6308,7 @@
           <a:p>
             <a:r>
               <a:rPr lang="en-US" dirty="0"/>
-              <a:t>Use webpack </a:t>
-            </a:r>
-            <a:r>
-              <a:rPr lang="en-US"/>
-              <a:t>to build the app</a:t>
+              <a:t>Use webpack to build the app</a:t>
             </a:r>
             <a:endParaRPr lang="en-IN" dirty="0"/>
           </a:p>
@@ -6237,6 +6318,548 @@
     <p:extLst>
       <p:ext uri="{BB962C8B-B14F-4D97-AF65-F5344CB8AC3E}">
         <p14:creationId xmlns:p14="http://schemas.microsoft.com/office/powerpoint/2010/main" val="4243618396"/>
+      </p:ext>
+    </p:extLst>
+  </p:cSld>
+  <p:clrMapOvr>
+    <a:masterClrMapping/>
+  </p:clrMapOvr>
+</p:sld>
+</file>
+
+<file path=ppt/slides/slide15.xml><?xml version="1.0" encoding="utf-8"?>
+<p:sld xmlns:a="http://schemas.openxmlformats.org/drawingml/2006/main" xmlns:r="http://schemas.openxmlformats.org/officeDocument/2006/relationships" xmlns:p="http://schemas.openxmlformats.org/presentationml/2006/main">
+  <p:cSld>
+    <p:spTree>
+      <p:nvGrpSpPr>
+        <p:cNvPr id="1" name=""/>
+        <p:cNvGrpSpPr/>
+        <p:nvPr/>
+      </p:nvGrpSpPr>
+      <p:grpSpPr>
+        <a:xfrm>
+          <a:off x="0" y="0"/>
+          <a:ext cx="0" cy="0"/>
+          <a:chOff x="0" y="0"/>
+          <a:chExt cx="0" cy="0"/>
+        </a:xfrm>
+      </p:grpSpPr>
+      <p:sp>
+        <p:nvSpPr>
+          <p:cNvPr id="4" name="Rectangle 3">
+            <a:extLst>
+              <a:ext uri="{FF2B5EF4-FFF2-40B4-BE49-F238E27FC236}">
+                <a16:creationId xmlns:a16="http://schemas.microsoft.com/office/drawing/2014/main" id="{BB9FF43B-33EB-E919-4992-F823B2A868B9}"/>
+              </a:ext>
+            </a:extLst>
+          </p:cNvPr>
+          <p:cNvSpPr/>
+          <p:nvPr/>
+        </p:nvSpPr>
+        <p:spPr>
+          <a:xfrm>
+            <a:off x="1559293" y="962526"/>
+            <a:ext cx="1684421" cy="770021"/>
+          </a:xfrm>
+          <a:prstGeom prst="rect">
+            <a:avLst/>
+          </a:prstGeom>
+        </p:spPr>
+        <p:style>
+          <a:lnRef idx="2">
+            <a:schemeClr val="accent1">
+              <a:shade val="15000"/>
+            </a:schemeClr>
+          </a:lnRef>
+          <a:fillRef idx="1">
+            <a:schemeClr val="accent1"/>
+          </a:fillRef>
+          <a:effectRef idx="0">
+            <a:schemeClr val="accent1"/>
+          </a:effectRef>
+          <a:fontRef idx="minor">
+            <a:schemeClr val="lt1"/>
+          </a:fontRef>
+        </p:style>
+        <p:txBody>
+          <a:bodyPr rtlCol="0" anchor="ctr"/>
+          <a:lstStyle/>
+          <a:p>
+            <a:pPr algn="ctr"/>
+            <a:r>
+              <a:rPr lang="en-IN" dirty="0"/>
+              <a:t>Component</a:t>
+            </a:r>
+          </a:p>
+        </p:txBody>
+      </p:sp>
+      <p:sp>
+        <p:nvSpPr>
+          <p:cNvPr id="5" name="Rectangle 4">
+            <a:extLst>
+              <a:ext uri="{FF2B5EF4-FFF2-40B4-BE49-F238E27FC236}">
+                <a16:creationId xmlns:a16="http://schemas.microsoft.com/office/drawing/2014/main" id="{BE679E88-7FF2-AD4F-5329-A9940EC8656B}"/>
+              </a:ext>
+            </a:extLst>
+          </p:cNvPr>
+          <p:cNvSpPr/>
+          <p:nvPr/>
+        </p:nvSpPr>
+        <p:spPr>
+          <a:xfrm>
+            <a:off x="1559293" y="3041583"/>
+            <a:ext cx="1684421" cy="1183908"/>
+          </a:xfrm>
+          <a:prstGeom prst="rect">
+            <a:avLst/>
+          </a:prstGeom>
+        </p:spPr>
+        <p:style>
+          <a:lnRef idx="2">
+            <a:schemeClr val="accent1">
+              <a:shade val="15000"/>
+            </a:schemeClr>
+          </a:lnRef>
+          <a:fillRef idx="1">
+            <a:schemeClr val="accent1"/>
+          </a:fillRef>
+          <a:effectRef idx="0">
+            <a:schemeClr val="accent1"/>
+          </a:effectRef>
+          <a:fontRef idx="minor">
+            <a:schemeClr val="lt1"/>
+          </a:fontRef>
+        </p:style>
+        <p:txBody>
+          <a:bodyPr rtlCol="0" anchor="ctr"/>
+          <a:lstStyle/>
+          <a:p>
+            <a:pPr algn="ctr"/>
+            <a:r>
+              <a:rPr lang="en-IN" dirty="0"/>
+              <a:t>New Virtual DOM</a:t>
+            </a:r>
+          </a:p>
+        </p:txBody>
+      </p:sp>
+      <p:cxnSp>
+        <p:nvCxnSpPr>
+          <p:cNvPr id="7" name="Straight Arrow Connector 6">
+            <a:extLst>
+              <a:ext uri="{FF2B5EF4-FFF2-40B4-BE49-F238E27FC236}">
+                <a16:creationId xmlns:a16="http://schemas.microsoft.com/office/drawing/2014/main" id="{E42699B3-215C-229A-2DD4-969AC6C7D9EF}"/>
+              </a:ext>
+            </a:extLst>
+          </p:cNvPr>
+          <p:cNvCxnSpPr>
+            <a:cxnSpLocks/>
+            <a:stCxn id="4" idx="2"/>
+            <a:endCxn id="5" idx="0"/>
+          </p:cNvCxnSpPr>
+          <p:nvPr/>
+        </p:nvCxnSpPr>
+        <p:spPr>
+          <a:xfrm>
+            <a:off x="2401504" y="1732547"/>
+            <a:ext cx="0" cy="1309036"/>
+          </a:xfrm>
+          <a:prstGeom prst="straightConnector1">
+            <a:avLst/>
+          </a:prstGeom>
+          <a:ln>
+            <a:tailEnd type="triangle"/>
+          </a:ln>
+        </p:spPr>
+        <p:style>
+          <a:lnRef idx="2">
+            <a:schemeClr val="accent1"/>
+          </a:lnRef>
+          <a:fillRef idx="0">
+            <a:schemeClr val="accent1"/>
+          </a:fillRef>
+          <a:effectRef idx="1">
+            <a:schemeClr val="accent1"/>
+          </a:effectRef>
+          <a:fontRef idx="minor">
+            <a:schemeClr val="tx1"/>
+          </a:fontRef>
+        </p:style>
+      </p:cxnSp>
+      <p:sp>
+        <p:nvSpPr>
+          <p:cNvPr id="8" name="TextBox 7">
+            <a:extLst>
+              <a:ext uri="{FF2B5EF4-FFF2-40B4-BE49-F238E27FC236}">
+                <a16:creationId xmlns:a16="http://schemas.microsoft.com/office/drawing/2014/main" id="{EC2DCB40-5835-8E52-D9DC-CCD862994D2D}"/>
+              </a:ext>
+            </a:extLst>
+          </p:cNvPr>
+          <p:cNvSpPr txBox="1"/>
+          <p:nvPr/>
+        </p:nvSpPr>
+        <p:spPr>
+          <a:xfrm>
+            <a:off x="2502568" y="2184935"/>
+            <a:ext cx="1992918" cy="369332"/>
+          </a:xfrm>
+          <a:prstGeom prst="rect">
+            <a:avLst/>
+          </a:prstGeom>
+          <a:noFill/>
+        </p:spPr>
+        <p:txBody>
+          <a:bodyPr wrap="none" rtlCol="0">
+            <a:spAutoFit/>
+          </a:bodyPr>
+          <a:lstStyle/>
+          <a:p>
+            <a:r>
+              <a:rPr lang="en-IN" dirty="0" err="1"/>
+              <a:t>ReactDOM.render</a:t>
+            </a:r>
+            <a:endParaRPr lang="en-IN" dirty="0"/>
+          </a:p>
+        </p:txBody>
+      </p:sp>
+      <p:sp>
+        <p:nvSpPr>
+          <p:cNvPr id="10" name="Rectangle 9">
+            <a:extLst>
+              <a:ext uri="{FF2B5EF4-FFF2-40B4-BE49-F238E27FC236}">
+                <a16:creationId xmlns:a16="http://schemas.microsoft.com/office/drawing/2014/main" id="{38D836F0-649E-5BBD-F3CA-0CE9CA801CE1}"/>
+              </a:ext>
+            </a:extLst>
+          </p:cNvPr>
+          <p:cNvSpPr/>
+          <p:nvPr/>
+        </p:nvSpPr>
+        <p:spPr>
+          <a:xfrm>
+            <a:off x="5109410" y="4743649"/>
+            <a:ext cx="1684421" cy="1183908"/>
+          </a:xfrm>
+          <a:prstGeom prst="rect">
+            <a:avLst/>
+          </a:prstGeom>
+        </p:spPr>
+        <p:style>
+          <a:lnRef idx="2">
+            <a:schemeClr val="accent1">
+              <a:shade val="15000"/>
+            </a:schemeClr>
+          </a:lnRef>
+          <a:fillRef idx="1">
+            <a:schemeClr val="accent1"/>
+          </a:fillRef>
+          <a:effectRef idx="0">
+            <a:schemeClr val="accent1"/>
+          </a:effectRef>
+          <a:fontRef idx="minor">
+            <a:schemeClr val="lt1"/>
+          </a:fontRef>
+        </p:style>
+        <p:txBody>
+          <a:bodyPr rtlCol="0" anchor="ctr"/>
+          <a:lstStyle/>
+          <a:p>
+            <a:pPr algn="ctr"/>
+            <a:r>
+              <a:rPr lang="en-IN" dirty="0"/>
+              <a:t>Delta’s</a:t>
+            </a:r>
+          </a:p>
+        </p:txBody>
+      </p:sp>
+      <p:cxnSp>
+        <p:nvCxnSpPr>
+          <p:cNvPr id="12" name="Connector: Elbow 11">
+            <a:extLst>
+              <a:ext uri="{FF2B5EF4-FFF2-40B4-BE49-F238E27FC236}">
+                <a16:creationId xmlns:a16="http://schemas.microsoft.com/office/drawing/2014/main" id="{67A0F7AA-995F-347C-AF2E-6801B3E7E2AF}"/>
+              </a:ext>
+            </a:extLst>
+          </p:cNvPr>
+          <p:cNvCxnSpPr>
+            <a:stCxn id="5" idx="2"/>
+            <a:endCxn id="10" idx="1"/>
+          </p:cNvCxnSpPr>
+          <p:nvPr/>
+        </p:nvCxnSpPr>
+        <p:spPr>
+          <a:xfrm rot="16200000" flipH="1">
+            <a:off x="3200401" y="3426594"/>
+            <a:ext cx="1110112" cy="2707906"/>
+          </a:xfrm>
+          <a:prstGeom prst="bentConnector2">
+            <a:avLst/>
+          </a:prstGeom>
+          <a:ln>
+            <a:tailEnd type="triangle"/>
+          </a:ln>
+        </p:spPr>
+        <p:style>
+          <a:lnRef idx="2">
+            <a:schemeClr val="accent1"/>
+          </a:lnRef>
+          <a:fillRef idx="0">
+            <a:schemeClr val="accent1"/>
+          </a:fillRef>
+          <a:effectRef idx="1">
+            <a:schemeClr val="accent1"/>
+          </a:effectRef>
+          <a:fontRef idx="minor">
+            <a:schemeClr val="tx1"/>
+          </a:fontRef>
+        </p:style>
+      </p:cxnSp>
+      <p:sp>
+        <p:nvSpPr>
+          <p:cNvPr id="13" name="TextBox 12">
+            <a:extLst>
+              <a:ext uri="{FF2B5EF4-FFF2-40B4-BE49-F238E27FC236}">
+                <a16:creationId xmlns:a16="http://schemas.microsoft.com/office/drawing/2014/main" id="{FA2218DD-162D-F7D9-3614-CCE60DF4FA20}"/>
+              </a:ext>
+            </a:extLst>
+          </p:cNvPr>
+          <p:cNvSpPr txBox="1"/>
+          <p:nvPr/>
+        </p:nvSpPr>
+        <p:spPr>
+          <a:xfrm>
+            <a:off x="1559293" y="5370276"/>
+            <a:ext cx="3337837" cy="646331"/>
+          </a:xfrm>
+          <a:prstGeom prst="rect">
+            <a:avLst/>
+          </a:prstGeom>
+          <a:noFill/>
+        </p:spPr>
+        <p:txBody>
+          <a:bodyPr wrap="none" rtlCol="0">
+            <a:spAutoFit/>
+          </a:bodyPr>
+          <a:lstStyle/>
+          <a:p>
+            <a:r>
+              <a:rPr lang="en-IN" dirty="0"/>
+              <a:t>New Virtual DOM will get </a:t>
+            </a:r>
+          </a:p>
+          <a:p>
+            <a:r>
+              <a:rPr lang="en-IN" dirty="0"/>
+              <a:t>compared with Old Virtual DOM</a:t>
+            </a:r>
+          </a:p>
+        </p:txBody>
+      </p:sp>
+      <p:sp>
+        <p:nvSpPr>
+          <p:cNvPr id="14" name="Rectangle 13">
+            <a:extLst>
+              <a:ext uri="{FF2B5EF4-FFF2-40B4-BE49-F238E27FC236}">
+                <a16:creationId xmlns:a16="http://schemas.microsoft.com/office/drawing/2014/main" id="{984A216B-556B-6CCD-955F-CC043F39B6FC}"/>
+              </a:ext>
+            </a:extLst>
+          </p:cNvPr>
+          <p:cNvSpPr/>
+          <p:nvPr/>
+        </p:nvSpPr>
+        <p:spPr>
+          <a:xfrm>
+            <a:off x="8603381" y="3041583"/>
+            <a:ext cx="1684421" cy="1183908"/>
+          </a:xfrm>
+          <a:prstGeom prst="rect">
+            <a:avLst/>
+          </a:prstGeom>
+        </p:spPr>
+        <p:style>
+          <a:lnRef idx="2">
+            <a:schemeClr val="accent1">
+              <a:shade val="15000"/>
+            </a:schemeClr>
+          </a:lnRef>
+          <a:fillRef idx="1">
+            <a:schemeClr val="accent1"/>
+          </a:fillRef>
+          <a:effectRef idx="0">
+            <a:schemeClr val="accent1"/>
+          </a:effectRef>
+          <a:fontRef idx="minor">
+            <a:schemeClr val="lt1"/>
+          </a:fontRef>
+        </p:style>
+        <p:txBody>
+          <a:bodyPr rtlCol="0" anchor="ctr"/>
+          <a:lstStyle/>
+          <a:p>
+            <a:pPr algn="ctr"/>
+            <a:r>
+              <a:rPr lang="en-IN" dirty="0"/>
+              <a:t>Browser DOM will update</a:t>
+            </a:r>
+          </a:p>
+        </p:txBody>
+      </p:sp>
+      <p:cxnSp>
+        <p:nvCxnSpPr>
+          <p:cNvPr id="16" name="Connector: Elbow 15">
+            <a:extLst>
+              <a:ext uri="{FF2B5EF4-FFF2-40B4-BE49-F238E27FC236}">
+                <a16:creationId xmlns:a16="http://schemas.microsoft.com/office/drawing/2014/main" id="{EB3076AB-77BB-CDE6-0323-F4D240CE2FF0}"/>
+              </a:ext>
+            </a:extLst>
+          </p:cNvPr>
+          <p:cNvCxnSpPr>
+            <a:stCxn id="10" idx="3"/>
+            <a:endCxn id="14" idx="2"/>
+          </p:cNvCxnSpPr>
+          <p:nvPr/>
+        </p:nvCxnSpPr>
+        <p:spPr>
+          <a:xfrm flipV="1">
+            <a:off x="6793831" y="4225491"/>
+            <a:ext cx="2651761" cy="1110112"/>
+          </a:xfrm>
+          <a:prstGeom prst="bentConnector2">
+            <a:avLst/>
+          </a:prstGeom>
+          <a:ln>
+            <a:tailEnd type="triangle"/>
+          </a:ln>
+        </p:spPr>
+        <p:style>
+          <a:lnRef idx="2">
+            <a:schemeClr val="accent1"/>
+          </a:lnRef>
+          <a:fillRef idx="0">
+            <a:schemeClr val="accent1"/>
+          </a:fillRef>
+          <a:effectRef idx="1">
+            <a:schemeClr val="accent1"/>
+          </a:effectRef>
+          <a:fontRef idx="minor">
+            <a:schemeClr val="tx1"/>
+          </a:fontRef>
+        </p:style>
+      </p:cxnSp>
+      <p:sp>
+        <p:nvSpPr>
+          <p:cNvPr id="19" name="TextBox 18">
+            <a:extLst>
+              <a:ext uri="{FF2B5EF4-FFF2-40B4-BE49-F238E27FC236}">
+                <a16:creationId xmlns:a16="http://schemas.microsoft.com/office/drawing/2014/main" id="{F96E9791-EB25-3E6E-73A4-3449B20C9598}"/>
+              </a:ext>
+            </a:extLst>
+          </p:cNvPr>
+          <p:cNvSpPr txBox="1"/>
+          <p:nvPr/>
+        </p:nvSpPr>
+        <p:spPr>
+          <a:xfrm>
+            <a:off x="9517780" y="2369601"/>
+            <a:ext cx="1779069" cy="646331"/>
+          </a:xfrm>
+          <a:prstGeom prst="rect">
+            <a:avLst/>
+          </a:prstGeom>
+          <a:noFill/>
+        </p:spPr>
+        <p:txBody>
+          <a:bodyPr wrap="square" rtlCol="0">
+            <a:spAutoFit/>
+          </a:bodyPr>
+          <a:lstStyle/>
+          <a:p>
+            <a:r>
+              <a:rPr lang="en-IN" dirty="0"/>
+              <a:t>UI is ready for interaction</a:t>
+            </a:r>
+          </a:p>
+        </p:txBody>
+      </p:sp>
+      <p:cxnSp>
+        <p:nvCxnSpPr>
+          <p:cNvPr id="21" name="Connector: Elbow 20">
+            <a:extLst>
+              <a:ext uri="{FF2B5EF4-FFF2-40B4-BE49-F238E27FC236}">
+                <a16:creationId xmlns:a16="http://schemas.microsoft.com/office/drawing/2014/main" id="{EB9C861A-EFBC-943C-EE35-56C5D113EDF2}"/>
+              </a:ext>
+            </a:extLst>
+          </p:cNvPr>
+          <p:cNvCxnSpPr>
+            <a:stCxn id="14" idx="0"/>
+            <a:endCxn id="4" idx="3"/>
+          </p:cNvCxnSpPr>
+          <p:nvPr/>
+        </p:nvCxnSpPr>
+        <p:spPr>
+          <a:xfrm rot="16200000" flipV="1">
+            <a:off x="5497630" y="-906379"/>
+            <a:ext cx="1694046" cy="6201878"/>
+          </a:xfrm>
+          <a:prstGeom prst="bentConnector2">
+            <a:avLst/>
+          </a:prstGeom>
+          <a:ln>
+            <a:tailEnd type="triangle"/>
+          </a:ln>
+        </p:spPr>
+        <p:style>
+          <a:lnRef idx="2">
+            <a:schemeClr val="accent1"/>
+          </a:lnRef>
+          <a:fillRef idx="0">
+            <a:schemeClr val="accent1"/>
+          </a:fillRef>
+          <a:effectRef idx="1">
+            <a:schemeClr val="accent1"/>
+          </a:effectRef>
+          <a:fontRef idx="minor">
+            <a:schemeClr val="tx1"/>
+          </a:fontRef>
+        </p:style>
+      </p:cxnSp>
+      <p:sp>
+        <p:nvSpPr>
+          <p:cNvPr id="22" name="TextBox 21">
+            <a:extLst>
+              <a:ext uri="{FF2B5EF4-FFF2-40B4-BE49-F238E27FC236}">
+                <a16:creationId xmlns:a16="http://schemas.microsoft.com/office/drawing/2014/main" id="{7EC080E2-EDB2-26DE-D5EF-445F0FE48FBE}"/>
+              </a:ext>
+            </a:extLst>
+          </p:cNvPr>
+          <p:cNvSpPr txBox="1"/>
+          <p:nvPr/>
+        </p:nvSpPr>
+        <p:spPr>
+          <a:xfrm>
+            <a:off x="4439095" y="978203"/>
+            <a:ext cx="3811116" cy="369332"/>
+          </a:xfrm>
+          <a:prstGeom prst="rect">
+            <a:avLst/>
+          </a:prstGeom>
+          <a:noFill/>
+        </p:spPr>
+        <p:txBody>
+          <a:bodyPr wrap="square" rtlCol="0">
+            <a:spAutoFit/>
+          </a:bodyPr>
+          <a:lstStyle/>
+          <a:p>
+            <a:r>
+              <a:rPr lang="en-IN" dirty="0"/>
+              <a:t>Event is fired to update the state</a:t>
+            </a:r>
+          </a:p>
+        </p:txBody>
+      </p:sp>
+    </p:spTree>
+    <p:extLst>
+      <p:ext uri="{BB962C8B-B14F-4D97-AF65-F5344CB8AC3E}">
+        <p14:creationId xmlns:p14="http://schemas.microsoft.com/office/powerpoint/2010/main" val="3995832499"/>
       </p:ext>
     </p:extLst>
   </p:cSld>

--- a/Notes/Presentation.pptx
+++ b/Notes/Presentation.pptx
@@ -6856,6 +6856,83 @@
           </a:p>
         </p:txBody>
       </p:sp>
+      <p:sp>
+        <p:nvSpPr>
+          <p:cNvPr id="23" name="TextBox 22">
+            <a:extLst>
+              <a:ext uri="{FF2B5EF4-FFF2-40B4-BE49-F238E27FC236}">
+                <a16:creationId xmlns:a16="http://schemas.microsoft.com/office/drawing/2014/main" id="{0B844573-CCA2-D3F9-CFE3-0620B33A8AAF}"/>
+              </a:ext>
+            </a:extLst>
+          </p:cNvPr>
+          <p:cNvSpPr txBox="1"/>
+          <p:nvPr/>
+        </p:nvSpPr>
+        <p:spPr>
+          <a:xfrm>
+            <a:off x="308008" y="327259"/>
+            <a:ext cx="1251285" cy="646331"/>
+          </a:xfrm>
+          <a:prstGeom prst="rect">
+            <a:avLst/>
+          </a:prstGeom>
+          <a:noFill/>
+        </p:spPr>
+        <p:txBody>
+          <a:bodyPr wrap="square" rtlCol="0">
+            <a:spAutoFit/>
+          </a:bodyPr>
+          <a:lstStyle/>
+          <a:p>
+            <a:r>
+              <a:rPr lang="en-IN" dirty="0"/>
+              <a:t>Props change</a:t>
+            </a:r>
+          </a:p>
+        </p:txBody>
+      </p:sp>
+      <p:cxnSp>
+        <p:nvCxnSpPr>
+          <p:cNvPr id="25" name="Straight Arrow Connector 24">
+            <a:extLst>
+              <a:ext uri="{FF2B5EF4-FFF2-40B4-BE49-F238E27FC236}">
+                <a16:creationId xmlns:a16="http://schemas.microsoft.com/office/drawing/2014/main" id="{77B0E44F-51CC-0F2D-5B59-3A0DD74D0C9D}"/>
+              </a:ext>
+            </a:extLst>
+          </p:cNvPr>
+          <p:cNvCxnSpPr>
+            <a:stCxn id="23" idx="2"/>
+            <a:endCxn id="4" idx="1"/>
+          </p:cNvCxnSpPr>
+          <p:nvPr/>
+        </p:nvCxnSpPr>
+        <p:spPr>
+          <a:xfrm>
+            <a:off x="933651" y="973590"/>
+            <a:ext cx="625642" cy="373947"/>
+          </a:xfrm>
+          <a:prstGeom prst="straightConnector1">
+            <a:avLst/>
+          </a:prstGeom>
+          <a:ln>
+            <a:tailEnd type="triangle"/>
+          </a:ln>
+        </p:spPr>
+        <p:style>
+          <a:lnRef idx="2">
+            <a:schemeClr val="accent1"/>
+          </a:lnRef>
+          <a:fillRef idx="0">
+            <a:schemeClr val="accent1"/>
+          </a:fillRef>
+          <a:effectRef idx="1">
+            <a:schemeClr val="accent1"/>
+          </a:effectRef>
+          <a:fontRef idx="minor">
+            <a:schemeClr val="tx1"/>
+          </a:fontRef>
+        </p:style>
+      </p:cxnSp>
     </p:spTree>
     <p:extLst>
       <p:ext uri="{BB962C8B-B14F-4D97-AF65-F5344CB8AC3E}">

--- a/Notes/Presentation.pptx
+++ b/Notes/Presentation.pptx
@@ -5,7 +5,7 @@
     <p:sldMasterId id="2147483648" r:id="rId1"/>
   </p:sldMasterIdLst>
   <p:notesMasterIdLst>
-    <p:notesMasterId r:id="rId17"/>
+    <p:notesMasterId r:id="rId19"/>
   </p:notesMasterIdLst>
   <p:sldIdLst>
     <p:sldId id="256" r:id="rId2"/>
@@ -23,6 +23,8 @@
     <p:sldId id="320" r:id="rId14"/>
     <p:sldId id="463" r:id="rId15"/>
     <p:sldId id="464" r:id="rId16"/>
+    <p:sldId id="465" r:id="rId17"/>
+    <p:sldId id="340" r:id="rId18"/>
   </p:sldIdLst>
   <p:sldSz cx="12192000" cy="6858000"/>
   <p:notesSz cx="6858000" cy="9144000"/>
@@ -6937,6 +6939,580 @@
     <p:extLst>
       <p:ext uri="{BB962C8B-B14F-4D97-AF65-F5344CB8AC3E}">
         <p14:creationId xmlns:p14="http://schemas.microsoft.com/office/powerpoint/2010/main" val="3995832499"/>
+      </p:ext>
+    </p:extLst>
+  </p:cSld>
+  <p:clrMapOvr>
+    <a:masterClrMapping/>
+  </p:clrMapOvr>
+</p:sld>
+</file>
+
+<file path=ppt/slides/slide16.xml><?xml version="1.0" encoding="utf-8"?>
+<p:sld xmlns:a="http://schemas.openxmlformats.org/drawingml/2006/main" xmlns:r="http://schemas.openxmlformats.org/officeDocument/2006/relationships" xmlns:p="http://schemas.openxmlformats.org/presentationml/2006/main">
+  <p:cSld>
+    <p:spTree>
+      <p:nvGrpSpPr>
+        <p:cNvPr id="1" name=""/>
+        <p:cNvGrpSpPr/>
+        <p:nvPr/>
+      </p:nvGrpSpPr>
+      <p:grpSpPr>
+        <a:xfrm>
+          <a:off x="0" y="0"/>
+          <a:ext cx="0" cy="0"/>
+          <a:chOff x="0" y="0"/>
+          <a:chExt cx="0" cy="0"/>
+        </a:xfrm>
+      </p:grpSpPr>
+      <p:sp>
+        <p:nvSpPr>
+          <p:cNvPr id="4" name="Rectangle: Rounded Corners 3">
+            <a:extLst>
+              <a:ext uri="{FF2B5EF4-FFF2-40B4-BE49-F238E27FC236}">
+                <a16:creationId xmlns:a16="http://schemas.microsoft.com/office/drawing/2014/main" id="{B48CCF95-BEF5-F323-91D8-19D40DB794CB}"/>
+              </a:ext>
+            </a:extLst>
+          </p:cNvPr>
+          <p:cNvSpPr/>
+          <p:nvPr/>
+        </p:nvSpPr>
+        <p:spPr>
+          <a:xfrm>
+            <a:off x="5159141" y="1097280"/>
+            <a:ext cx="2646947" cy="3388093"/>
+          </a:xfrm>
+          <a:prstGeom prst="roundRect">
+            <a:avLst/>
+          </a:prstGeom>
+        </p:spPr>
+        <p:style>
+          <a:lnRef idx="2">
+            <a:schemeClr val="accent1">
+              <a:shade val="15000"/>
+            </a:schemeClr>
+          </a:lnRef>
+          <a:fillRef idx="1">
+            <a:schemeClr val="accent1"/>
+          </a:fillRef>
+          <a:effectRef idx="0">
+            <a:schemeClr val="accent1"/>
+          </a:effectRef>
+          <a:fontRef idx="minor">
+            <a:schemeClr val="lt1"/>
+          </a:fontRef>
+        </p:style>
+        <p:txBody>
+          <a:bodyPr rtlCol="0" anchor="ctr"/>
+          <a:lstStyle/>
+          <a:p>
+            <a:pPr algn="ctr"/>
+            <a:r>
+              <a:rPr lang="en-US" dirty="0"/>
+              <a:t>NEXT SERVER</a:t>
+            </a:r>
+            <a:endParaRPr lang="en-IN" dirty="0"/>
+          </a:p>
+        </p:txBody>
+      </p:sp>
+      <p:sp>
+        <p:nvSpPr>
+          <p:cNvPr id="5" name="Rectangle 4">
+            <a:extLst>
+              <a:ext uri="{FF2B5EF4-FFF2-40B4-BE49-F238E27FC236}">
+                <a16:creationId xmlns:a16="http://schemas.microsoft.com/office/drawing/2014/main" id="{03B33B9D-8448-CF84-6B02-6442792F2F50}"/>
+              </a:ext>
+            </a:extLst>
+          </p:cNvPr>
+          <p:cNvSpPr/>
+          <p:nvPr/>
+        </p:nvSpPr>
+        <p:spPr>
+          <a:xfrm>
+            <a:off x="375385" y="1357162"/>
+            <a:ext cx="2444817" cy="2868328"/>
+          </a:xfrm>
+          <a:prstGeom prst="rect">
+            <a:avLst/>
+          </a:prstGeom>
+        </p:spPr>
+        <p:style>
+          <a:lnRef idx="2">
+            <a:schemeClr val="accent1">
+              <a:shade val="15000"/>
+            </a:schemeClr>
+          </a:lnRef>
+          <a:fillRef idx="1">
+            <a:schemeClr val="accent1"/>
+          </a:fillRef>
+          <a:effectRef idx="0">
+            <a:schemeClr val="accent1"/>
+          </a:effectRef>
+          <a:fontRef idx="minor">
+            <a:schemeClr val="lt1"/>
+          </a:fontRef>
+        </p:style>
+        <p:txBody>
+          <a:bodyPr rtlCol="0" anchor="ctr"/>
+          <a:lstStyle/>
+          <a:p>
+            <a:pPr algn="ctr"/>
+            <a:r>
+              <a:rPr lang="en-US" dirty="0"/>
+              <a:t>BROWSER</a:t>
+            </a:r>
+            <a:endParaRPr lang="en-IN" dirty="0"/>
+          </a:p>
+        </p:txBody>
+      </p:sp>
+      <p:cxnSp>
+        <p:nvCxnSpPr>
+          <p:cNvPr id="7" name="Straight Arrow Connector 6">
+            <a:extLst>
+              <a:ext uri="{FF2B5EF4-FFF2-40B4-BE49-F238E27FC236}">
+                <a16:creationId xmlns:a16="http://schemas.microsoft.com/office/drawing/2014/main" id="{285B7170-AE8F-F1EB-35E9-71D72E4F46B4}"/>
+              </a:ext>
+            </a:extLst>
+          </p:cNvPr>
+          <p:cNvCxnSpPr/>
+          <p:nvPr/>
+        </p:nvCxnSpPr>
+        <p:spPr>
+          <a:xfrm>
+            <a:off x="2820202" y="2011680"/>
+            <a:ext cx="2338939" cy="0"/>
+          </a:xfrm>
+          <a:prstGeom prst="straightConnector1">
+            <a:avLst/>
+          </a:prstGeom>
+          <a:ln>
+            <a:tailEnd type="triangle"/>
+          </a:ln>
+        </p:spPr>
+        <p:style>
+          <a:lnRef idx="2">
+            <a:schemeClr val="accent1"/>
+          </a:lnRef>
+          <a:fillRef idx="0">
+            <a:schemeClr val="accent1"/>
+          </a:fillRef>
+          <a:effectRef idx="1">
+            <a:schemeClr val="accent1"/>
+          </a:effectRef>
+          <a:fontRef idx="minor">
+            <a:schemeClr val="tx1"/>
+          </a:fontRef>
+        </p:style>
+      </p:cxnSp>
+      <p:sp>
+        <p:nvSpPr>
+          <p:cNvPr id="8" name="TextBox 7">
+            <a:extLst>
+              <a:ext uri="{FF2B5EF4-FFF2-40B4-BE49-F238E27FC236}">
+                <a16:creationId xmlns:a16="http://schemas.microsoft.com/office/drawing/2014/main" id="{D2291B08-FDB7-3775-82F9-5D7B86EA43A2}"/>
+              </a:ext>
+            </a:extLst>
+          </p:cNvPr>
+          <p:cNvSpPr txBox="1"/>
+          <p:nvPr/>
+        </p:nvSpPr>
+        <p:spPr>
+          <a:xfrm>
+            <a:off x="1790203" y="1001376"/>
+            <a:ext cx="3500125" cy="307777"/>
+          </a:xfrm>
+          <a:prstGeom prst="rect">
+            <a:avLst/>
+          </a:prstGeom>
+          <a:noFill/>
+        </p:spPr>
+        <p:txBody>
+          <a:bodyPr wrap="none" rtlCol="0">
+            <a:spAutoFit/>
+          </a:bodyPr>
+          <a:lstStyle/>
+          <a:p>
+            <a:r>
+              <a:rPr lang="en-US" sz="1400" dirty="0"/>
+              <a:t>http://localhost:3000/conference/sessions</a:t>
+            </a:r>
+            <a:endParaRPr lang="en-IN" sz="1400" dirty="0"/>
+          </a:p>
+        </p:txBody>
+      </p:sp>
+      <p:cxnSp>
+        <p:nvCxnSpPr>
+          <p:cNvPr id="10" name="Straight Arrow Connector 9">
+            <a:extLst>
+              <a:ext uri="{FF2B5EF4-FFF2-40B4-BE49-F238E27FC236}">
+                <a16:creationId xmlns:a16="http://schemas.microsoft.com/office/drawing/2014/main" id="{58EF73BF-EE86-775D-6B23-E684DA47DAC0}"/>
+              </a:ext>
+            </a:extLst>
+          </p:cNvPr>
+          <p:cNvCxnSpPr/>
+          <p:nvPr/>
+        </p:nvCxnSpPr>
+        <p:spPr>
+          <a:xfrm flipH="1">
+            <a:off x="2820202" y="2396691"/>
+            <a:ext cx="2338939" cy="0"/>
+          </a:xfrm>
+          <a:prstGeom prst="straightConnector1">
+            <a:avLst/>
+          </a:prstGeom>
+          <a:ln>
+            <a:tailEnd type="triangle"/>
+          </a:ln>
+        </p:spPr>
+        <p:style>
+          <a:lnRef idx="2">
+            <a:schemeClr val="accent1"/>
+          </a:lnRef>
+          <a:fillRef idx="0">
+            <a:schemeClr val="accent1"/>
+          </a:fillRef>
+          <a:effectRef idx="1">
+            <a:schemeClr val="accent1"/>
+          </a:effectRef>
+          <a:fontRef idx="minor">
+            <a:schemeClr val="tx1"/>
+          </a:fontRef>
+        </p:style>
+      </p:cxnSp>
+      <p:sp>
+        <p:nvSpPr>
+          <p:cNvPr id="11" name="TextBox 10">
+            <a:extLst>
+              <a:ext uri="{FF2B5EF4-FFF2-40B4-BE49-F238E27FC236}">
+                <a16:creationId xmlns:a16="http://schemas.microsoft.com/office/drawing/2014/main" id="{3767D7DB-4136-70AE-CFA8-717FE0D63ED8}"/>
+              </a:ext>
+            </a:extLst>
+          </p:cNvPr>
+          <p:cNvSpPr txBox="1"/>
+          <p:nvPr/>
+        </p:nvSpPr>
+        <p:spPr>
+          <a:xfrm>
+            <a:off x="3675321" y="2396691"/>
+            <a:ext cx="628698" cy="307777"/>
+          </a:xfrm>
+          <a:prstGeom prst="rect">
+            <a:avLst/>
+          </a:prstGeom>
+          <a:noFill/>
+        </p:spPr>
+        <p:txBody>
+          <a:bodyPr wrap="none" rtlCol="0">
+            <a:spAutoFit/>
+          </a:bodyPr>
+          <a:lstStyle/>
+          <a:p>
+            <a:r>
+              <a:rPr lang="en-US" sz="1400" dirty="0"/>
+              <a:t>HTML</a:t>
+            </a:r>
+            <a:endParaRPr lang="en-IN" sz="1400" dirty="0"/>
+          </a:p>
+        </p:txBody>
+      </p:sp>
+      <p:sp>
+        <p:nvSpPr>
+          <p:cNvPr id="12" name="Rectangle 11">
+            <a:extLst>
+              <a:ext uri="{FF2B5EF4-FFF2-40B4-BE49-F238E27FC236}">
+                <a16:creationId xmlns:a16="http://schemas.microsoft.com/office/drawing/2014/main" id="{779F699E-97BC-92D6-21CB-24884AB49157}"/>
+              </a:ext>
+            </a:extLst>
+          </p:cNvPr>
+          <p:cNvSpPr/>
+          <p:nvPr/>
+        </p:nvSpPr>
+        <p:spPr>
+          <a:xfrm>
+            <a:off x="9371798" y="1669752"/>
+            <a:ext cx="1703672" cy="2069432"/>
+          </a:xfrm>
+          <a:prstGeom prst="rect">
+            <a:avLst/>
+          </a:prstGeom>
+        </p:spPr>
+        <p:style>
+          <a:lnRef idx="2">
+            <a:schemeClr val="accent1">
+              <a:shade val="15000"/>
+            </a:schemeClr>
+          </a:lnRef>
+          <a:fillRef idx="1">
+            <a:schemeClr val="accent1"/>
+          </a:fillRef>
+          <a:effectRef idx="0">
+            <a:schemeClr val="accent1"/>
+          </a:effectRef>
+          <a:fontRef idx="minor">
+            <a:schemeClr val="lt1"/>
+          </a:fontRef>
+        </p:style>
+        <p:txBody>
+          <a:bodyPr rtlCol="0" anchor="ctr"/>
+          <a:lstStyle/>
+          <a:p>
+            <a:pPr algn="ctr"/>
+            <a:r>
+              <a:rPr lang="en-US" dirty="0"/>
+              <a:t>API SERVER</a:t>
+            </a:r>
+            <a:endParaRPr lang="en-IN" dirty="0"/>
+          </a:p>
+        </p:txBody>
+      </p:sp>
+      <p:cxnSp>
+        <p:nvCxnSpPr>
+          <p:cNvPr id="14" name="Straight Arrow Connector 13">
+            <a:extLst>
+              <a:ext uri="{FF2B5EF4-FFF2-40B4-BE49-F238E27FC236}">
+                <a16:creationId xmlns:a16="http://schemas.microsoft.com/office/drawing/2014/main" id="{9241FA11-92A4-EBE2-C93F-8E89B02B4B54}"/>
+              </a:ext>
+            </a:extLst>
+          </p:cNvPr>
+          <p:cNvCxnSpPr/>
+          <p:nvPr/>
+        </p:nvCxnSpPr>
+        <p:spPr>
+          <a:xfrm>
+            <a:off x="7806088" y="2281187"/>
+            <a:ext cx="1565710" cy="0"/>
+          </a:xfrm>
+          <a:prstGeom prst="straightConnector1">
+            <a:avLst/>
+          </a:prstGeom>
+          <a:ln>
+            <a:tailEnd type="triangle"/>
+          </a:ln>
+        </p:spPr>
+        <p:style>
+          <a:lnRef idx="2">
+            <a:schemeClr val="accent1"/>
+          </a:lnRef>
+          <a:fillRef idx="0">
+            <a:schemeClr val="accent1"/>
+          </a:fillRef>
+          <a:effectRef idx="1">
+            <a:schemeClr val="accent1"/>
+          </a:effectRef>
+          <a:fontRef idx="minor">
+            <a:schemeClr val="tx1"/>
+          </a:fontRef>
+        </p:style>
+      </p:cxnSp>
+      <p:cxnSp>
+        <p:nvCxnSpPr>
+          <p:cNvPr id="16" name="Straight Arrow Connector 15">
+            <a:extLst>
+              <a:ext uri="{FF2B5EF4-FFF2-40B4-BE49-F238E27FC236}">
+                <a16:creationId xmlns:a16="http://schemas.microsoft.com/office/drawing/2014/main" id="{33524C89-C73C-1807-EB6C-F7588A2BE9FC}"/>
+              </a:ext>
+            </a:extLst>
+          </p:cNvPr>
+          <p:cNvCxnSpPr/>
+          <p:nvPr/>
+        </p:nvCxnSpPr>
+        <p:spPr>
+          <a:xfrm flipH="1">
+            <a:off x="7806088" y="3012707"/>
+            <a:ext cx="1565710" cy="0"/>
+          </a:xfrm>
+          <a:prstGeom prst="straightConnector1">
+            <a:avLst/>
+          </a:prstGeom>
+          <a:ln>
+            <a:tailEnd type="triangle"/>
+          </a:ln>
+        </p:spPr>
+        <p:style>
+          <a:lnRef idx="2">
+            <a:schemeClr val="accent1"/>
+          </a:lnRef>
+          <a:fillRef idx="0">
+            <a:schemeClr val="accent1"/>
+          </a:fillRef>
+          <a:effectRef idx="1">
+            <a:schemeClr val="accent1"/>
+          </a:effectRef>
+          <a:fontRef idx="minor">
+            <a:schemeClr val="tx1"/>
+          </a:fontRef>
+        </p:style>
+      </p:cxnSp>
+      <p:sp>
+        <p:nvSpPr>
+          <p:cNvPr id="17" name="TextBox 16">
+            <a:extLst>
+              <a:ext uri="{FF2B5EF4-FFF2-40B4-BE49-F238E27FC236}">
+                <a16:creationId xmlns:a16="http://schemas.microsoft.com/office/drawing/2014/main" id="{53F9F22B-97BC-8570-E3DA-83C2D03D1CB8}"/>
+              </a:ext>
+            </a:extLst>
+          </p:cNvPr>
+          <p:cNvSpPr txBox="1"/>
+          <p:nvPr/>
+        </p:nvSpPr>
+        <p:spPr>
+          <a:xfrm>
+            <a:off x="7806088" y="1266128"/>
+            <a:ext cx="2569871" cy="307777"/>
+          </a:xfrm>
+          <a:prstGeom prst="rect">
+            <a:avLst/>
+          </a:prstGeom>
+          <a:noFill/>
+        </p:spPr>
+        <p:txBody>
+          <a:bodyPr wrap="none" rtlCol="0">
+            <a:spAutoFit/>
+          </a:bodyPr>
+          <a:lstStyle/>
+          <a:p>
+            <a:r>
+              <a:rPr lang="en-US" sz="1400" dirty="0"/>
+              <a:t>http://localhost:8001/sessions</a:t>
+            </a:r>
+            <a:endParaRPr lang="en-IN" sz="1400" dirty="0"/>
+          </a:p>
+        </p:txBody>
+      </p:sp>
+      <p:sp>
+        <p:nvSpPr>
+          <p:cNvPr id="18" name="TextBox 17">
+            <a:extLst>
+              <a:ext uri="{FF2B5EF4-FFF2-40B4-BE49-F238E27FC236}">
+                <a16:creationId xmlns:a16="http://schemas.microsoft.com/office/drawing/2014/main" id="{BFFAC868-DE86-5BBB-3440-F5B3E8B5504D}"/>
+              </a:ext>
+            </a:extLst>
+          </p:cNvPr>
+          <p:cNvSpPr txBox="1"/>
+          <p:nvPr/>
+        </p:nvSpPr>
+        <p:spPr>
+          <a:xfrm>
+            <a:off x="8287418" y="3012707"/>
+            <a:ext cx="603050" cy="307777"/>
+          </a:xfrm>
+          <a:prstGeom prst="rect">
+            <a:avLst/>
+          </a:prstGeom>
+          <a:noFill/>
+        </p:spPr>
+        <p:txBody>
+          <a:bodyPr wrap="none" rtlCol="0">
+            <a:spAutoFit/>
+          </a:bodyPr>
+          <a:lstStyle/>
+          <a:p>
+            <a:r>
+              <a:rPr lang="en-US" sz="1400" dirty="0"/>
+              <a:t>JSON</a:t>
+            </a:r>
+            <a:endParaRPr lang="en-IN" sz="1400" dirty="0"/>
+          </a:p>
+        </p:txBody>
+      </p:sp>
+    </p:spTree>
+    <p:extLst>
+      <p:ext uri="{BB962C8B-B14F-4D97-AF65-F5344CB8AC3E}">
+        <p14:creationId xmlns:p14="http://schemas.microsoft.com/office/powerpoint/2010/main" val="3318166285"/>
+      </p:ext>
+    </p:extLst>
+  </p:cSld>
+  <p:clrMapOvr>
+    <a:masterClrMapping/>
+  </p:clrMapOvr>
+</p:sld>
+</file>
+
+<file path=ppt/slides/slide17.xml><?xml version="1.0" encoding="utf-8"?>
+<p:sld xmlns:a="http://schemas.openxmlformats.org/drawingml/2006/main" xmlns:r="http://schemas.openxmlformats.org/officeDocument/2006/relationships" xmlns:p="http://schemas.openxmlformats.org/presentationml/2006/main">
+  <p:cSld>
+    <p:spTree>
+      <p:nvGrpSpPr>
+        <p:cNvPr id="1" name=""/>
+        <p:cNvGrpSpPr/>
+        <p:nvPr/>
+      </p:nvGrpSpPr>
+      <p:grpSpPr>
+        <a:xfrm>
+          <a:off x="0" y="0"/>
+          <a:ext cx="0" cy="0"/>
+          <a:chOff x="0" y="0"/>
+          <a:chExt cx="0" cy="0"/>
+        </a:xfrm>
+      </p:grpSpPr>
+      <p:sp>
+        <p:nvSpPr>
+          <p:cNvPr id="2" name="Title 1">
+            <a:extLst>
+              <a:ext uri="{FF2B5EF4-FFF2-40B4-BE49-F238E27FC236}">
+                <a16:creationId xmlns:a16="http://schemas.microsoft.com/office/drawing/2014/main" id="{4158C489-52BE-4B37-B045-E4AEE2EEB5B4}"/>
+              </a:ext>
+            </a:extLst>
+          </p:cNvPr>
+          <p:cNvSpPr>
+            <a:spLocks noGrp="1"/>
+          </p:cNvSpPr>
+          <p:nvPr>
+            <p:ph type="title"/>
+          </p:nvPr>
+        </p:nvSpPr>
+        <p:spPr/>
+        <p:txBody>
+          <a:bodyPr/>
+          <a:lstStyle/>
+          <a:p>
+            <a:r>
+              <a:rPr lang="en-US" dirty="0"/>
+              <a:t>Assignment</a:t>
+            </a:r>
+            <a:endParaRPr lang="en-IN" dirty="0"/>
+          </a:p>
+        </p:txBody>
+      </p:sp>
+      <p:pic>
+        <p:nvPicPr>
+          <p:cNvPr id="5" name="Content Placeholder 4" descr="Graphical user interface, application&#10;&#10;Description automatically generated">
+            <a:extLst>
+              <a:ext uri="{FF2B5EF4-FFF2-40B4-BE49-F238E27FC236}">
+                <a16:creationId xmlns:a16="http://schemas.microsoft.com/office/drawing/2014/main" id="{70317B35-51A4-40C6-BFB6-FF878C11EC8D}"/>
+              </a:ext>
+            </a:extLst>
+          </p:cNvPr>
+          <p:cNvPicPr>
+            <a:picLocks noGrp="1" noChangeAspect="1"/>
+          </p:cNvPicPr>
+          <p:nvPr>
+            <p:ph idx="1"/>
+          </p:nvPr>
+        </p:nvPicPr>
+        <p:blipFill>
+          <a:blip r:embed="rId2">
+            <a:extLst>
+              <a:ext uri="{28A0092B-C50C-407E-A947-70E740481C1C}">
+                <a14:useLocalDpi xmlns:a14="http://schemas.microsoft.com/office/drawing/2010/main" val="0"/>
+              </a:ext>
+            </a:extLst>
+          </a:blip>
+          <a:stretch>
+            <a:fillRect/>
+          </a:stretch>
+        </p:blipFill>
+        <p:spPr>
+          <a:xfrm>
+            <a:off x="2399929" y="1681734"/>
+            <a:ext cx="7392142" cy="4639120"/>
+          </a:xfrm>
+        </p:spPr>
+      </p:pic>
+    </p:spTree>
+    <p:extLst>
+      <p:ext uri="{BB962C8B-B14F-4D97-AF65-F5344CB8AC3E}">
+        <p14:creationId xmlns:p14="http://schemas.microsoft.com/office/powerpoint/2010/main" val="2737212266"/>
       </p:ext>
     </p:extLst>
   </p:cSld>
